--- a/Senhas/H- Aula 1 (Gerador de senhas).pptx
+++ b/Senhas/H- Aula 1 (Gerador de senhas).pptx
@@ -20,7 +20,6 @@
     <p:sldId id="268" r:id="rId15"/>
     <p:sldId id="269" r:id="rId16"/>
     <p:sldId id="270" r:id="rId17"/>
-    <p:sldId id="271" r:id="rId18"/>
   </p:sldIdLst>
   <p:sldSz cx="12192000" cy="6858000"/>
   <p:notesSz cx="7559675" cy="10691812"/>
@@ -1669,7 +1668,7 @@
         <p:spPr>
           <a:xfrm>
             <a:off x="395280" y="374400"/>
-            <a:ext cx="8292240" cy="884520"/>
+            <a:ext cx="8291880" cy="884160"/>
           </a:xfrm>
           <a:prstGeom prst="rect">
             <a:avLst/>
@@ -1720,7 +1719,7 @@
         <p:spPr>
           <a:xfrm>
             <a:off x="395280" y="1479960"/>
-            <a:ext cx="11487960" cy="5086800"/>
+            <a:ext cx="11487600" cy="5086440"/>
           </a:xfrm>
           <a:prstGeom prst="rect">
             <a:avLst/>
@@ -1741,7 +1740,7 @@
             <a:normAutofit/>
           </a:bodyPr>
           <a:p>
-            <a:pPr marL="228600" indent="-224640">
+            <a:pPr marL="228600" indent="-224280">
               <a:lnSpc>
                 <a:spcPct val="90000"/>
               </a:lnSpc>
@@ -1769,7 +1768,7 @@
             </a:endParaRPr>
           </a:p>
           <a:p>
-            <a:pPr marL="228600" indent="-224640">
+            <a:pPr marL="228600" indent="-224280">
               <a:lnSpc>
                 <a:spcPct val="90000"/>
               </a:lnSpc>
@@ -1797,7 +1796,7 @@
             </a:endParaRPr>
           </a:p>
           <a:p>
-            <a:pPr marL="228600" indent="-224640">
+            <a:pPr marL="228600" indent="-224280">
               <a:lnSpc>
                 <a:spcPct val="90000"/>
               </a:lnSpc>
@@ -1825,7 +1824,7 @@
             </a:endParaRPr>
           </a:p>
           <a:p>
-            <a:pPr marL="228600" indent="-224640">
+            <a:pPr marL="228600" indent="-224280">
               <a:lnSpc>
                 <a:spcPct val="90000"/>
               </a:lnSpc>
@@ -1853,7 +1852,7 @@
             </a:endParaRPr>
           </a:p>
           <a:p>
-            <a:pPr marL="228600" indent="-224640">
+            <a:pPr marL="228600" indent="-224280">
               <a:lnSpc>
                 <a:spcPct val="90000"/>
               </a:lnSpc>
@@ -1881,7 +1880,7 @@
             </a:endParaRPr>
           </a:p>
           <a:p>
-            <a:pPr marL="228600" indent="-224640">
+            <a:pPr marL="228600" indent="-224280">
               <a:lnSpc>
                 <a:spcPct val="90000"/>
               </a:lnSpc>
@@ -1935,8 +1934,8 @@
         </p:blipFill>
         <p:spPr>
           <a:xfrm>
-            <a:off x="4320000" y="3434400"/>
-            <a:ext cx="7389000" cy="2865600"/>
+            <a:off x="3600000" y="3155040"/>
+            <a:ext cx="8108640" cy="3144600"/>
           </a:xfrm>
           <a:prstGeom prst="rect">
             <a:avLst/>
@@ -1959,7 +1958,7 @@
         <p:spPr>
           <a:xfrm>
             <a:off x="10080000" y="360000"/>
-            <a:ext cx="1620000" cy="1658520"/>
+            <a:ext cx="1619640" cy="1658160"/>
           </a:xfrm>
           <a:prstGeom prst="rect">
             <a:avLst/>
@@ -2001,14 +2000,14 @@
       </p:grpSpPr>
       <p:sp>
         <p:nvSpPr>
-          <p:cNvPr id="73" name="CustomShape 1"/>
+          <p:cNvPr id="80" name="CustomShape 1"/>
           <p:cNvSpPr/>
           <p:nvPr/>
         </p:nvSpPr>
         <p:spPr>
           <a:xfrm>
-            <a:off x="395280" y="374400"/>
-            <a:ext cx="8292240" cy="884520"/>
+            <a:off x="540000" y="2340000"/>
+            <a:ext cx="8291880" cy="884160"/>
           </a:xfrm>
           <a:prstGeom prst="rect">
             <a:avLst/>
@@ -2042,7 +2041,7 @@
                 <a:latin typeface="Calibri Light"/>
                 <a:ea typeface="DejaVu Sans"/>
               </a:rPr>
-              <a:t>Teste:</a:t>
+              <a:t>Botão:</a:t>
             </a:r>
             <a:endParaRPr b="0" lang="pt-BR" sz="4400" spc="-1" strike="noStrike">
               <a:latin typeface="Arial"/>
@@ -2052,14 +2051,14 @@
       </p:sp>
       <p:sp>
         <p:nvSpPr>
-          <p:cNvPr id="74" name="CustomShape 2"/>
+          <p:cNvPr id="81" name="CustomShape 2"/>
           <p:cNvSpPr/>
           <p:nvPr/>
         </p:nvSpPr>
         <p:spPr>
           <a:xfrm>
-            <a:off x="395280" y="1479960"/>
-            <a:ext cx="11487960" cy="5086800"/>
+            <a:off x="395280" y="3420000"/>
+            <a:ext cx="11487600" cy="3146400"/>
           </a:xfrm>
           <a:prstGeom prst="rect">
             <a:avLst/>
@@ -2080,28 +2079,168 @@
             <a:normAutofit/>
           </a:bodyPr>
           <a:p>
-            <a:pPr marL="228600" indent="-224640">
-              <a:lnSpc>
-                <a:spcPct val="90000"/>
-              </a:lnSpc>
-              <a:spcBef>
-                <a:spcPts val="1001"/>
-              </a:spcBef>
-              <a:buClr>
-                <a:srgbClr val="000000"/>
-              </a:buClr>
-              <a:buFont typeface="Arial"/>
-              <a:buChar char="•"/>
-            </a:pPr>
-            <a:r>
-              <a:rPr b="0" lang="pt-BR" sz="3200" spc="-1" strike="noStrike">
-                <a:solidFill>
-                  <a:srgbClr val="000000"/>
-                </a:solidFill>
-                <a:latin typeface="Calibri"/>
-                <a:ea typeface="DejaVu Sans"/>
-              </a:rPr>
-              <a:t>Texto</a:t>
+            <a:pPr marL="228600" indent="-224280">
+              <a:lnSpc>
+                <a:spcPct val="90000"/>
+              </a:lnSpc>
+              <a:spcBef>
+                <a:spcPts val="1001"/>
+              </a:spcBef>
+              <a:buClr>
+                <a:srgbClr val="000000"/>
+              </a:buClr>
+              <a:buFont typeface="Arial"/>
+              <a:buChar char="•"/>
+            </a:pPr>
+            <a:r>
+              <a:rPr b="0" lang="pt-BR" sz="3200" spc="-1" strike="noStrike">
+                <a:solidFill>
+                  <a:srgbClr val="000000"/>
+                </a:solidFill>
+                <a:latin typeface="Calibri"/>
+                <a:ea typeface="DejaVu Sans"/>
+              </a:rPr>
+              <a:t>Vamos criar 3 tags.</a:t>
+            </a:r>
+            <a:endParaRPr b="0" lang="pt-BR" sz="3200" spc="-1" strike="noStrike">
+              <a:latin typeface="Arial"/>
+            </a:endParaRPr>
+          </a:p>
+          <a:p>
+            <a:pPr marL="228600" indent="-224280">
+              <a:lnSpc>
+                <a:spcPct val="90000"/>
+              </a:lnSpc>
+              <a:spcBef>
+                <a:spcPts val="1001"/>
+              </a:spcBef>
+              <a:buClr>
+                <a:srgbClr val="000000"/>
+              </a:buClr>
+              <a:buFont typeface="Arial"/>
+              <a:buChar char="•"/>
+            </a:pPr>
+            <a:r>
+              <a:rPr b="0" lang="pt-BR" sz="3200" spc="-1" strike="noStrike">
+                <a:solidFill>
+                  <a:srgbClr val="000000"/>
+                </a:solidFill>
+                <a:latin typeface="Calibri"/>
+                <a:ea typeface="DejaVu Sans"/>
+              </a:rPr>
+              <a:t>Já que cada um tem uma função diferente.</a:t>
+            </a:r>
+            <a:endParaRPr b="0" lang="pt-BR" sz="3200" spc="-1" strike="noStrike">
+              <a:latin typeface="Arial"/>
+            </a:endParaRPr>
+          </a:p>
+          <a:p>
+            <a:pPr marL="228600" indent="-224280">
+              <a:lnSpc>
+                <a:spcPct val="90000"/>
+              </a:lnSpc>
+              <a:spcBef>
+                <a:spcPts val="1001"/>
+              </a:spcBef>
+              <a:buClr>
+                <a:srgbClr val="000000"/>
+              </a:buClr>
+              <a:buFont typeface="Arial"/>
+              <a:buChar char="•"/>
+            </a:pPr>
+            <a:r>
+              <a:rPr b="0" lang="pt-BR" sz="3200" spc="-1" strike="noStrike">
+                <a:solidFill>
+                  <a:srgbClr val="000000"/>
+                </a:solidFill>
+                <a:latin typeface="Calibri"/>
+                <a:ea typeface="DejaVu Sans"/>
+              </a:rPr>
+              <a:t> </a:t>
+            </a:r>
+            <a:endParaRPr b="0" lang="pt-BR" sz="3200" spc="-1" strike="noStrike">
+              <a:latin typeface="Arial"/>
+            </a:endParaRPr>
+          </a:p>
+          <a:p>
+            <a:pPr marL="228600" indent="-224280">
+              <a:lnSpc>
+                <a:spcPct val="90000"/>
+              </a:lnSpc>
+              <a:spcBef>
+                <a:spcPts val="1001"/>
+              </a:spcBef>
+              <a:buClr>
+                <a:srgbClr val="000000"/>
+              </a:buClr>
+              <a:buFont typeface="Arial"/>
+              <a:buChar char="•"/>
+            </a:pPr>
+            <a:r>
+              <a:rPr b="0" lang="pt-BR" sz="3200" spc="-1" strike="noStrike">
+                <a:solidFill>
+                  <a:srgbClr val="000000"/>
+                </a:solidFill>
+                <a:latin typeface="Calibri"/>
+                <a:ea typeface="DejaVu Sans"/>
+              </a:rPr>
+              <a:t>Pra uma calculadora online, </a:t>
+            </a:r>
+            <a:endParaRPr b="0" lang="pt-BR" sz="3200" spc="-1" strike="noStrike">
+              <a:latin typeface="Arial"/>
+            </a:endParaRPr>
+          </a:p>
+          <a:p>
+            <a:pPr marL="228600" indent="-224280">
+              <a:lnSpc>
+                <a:spcPct val="90000"/>
+              </a:lnSpc>
+              <a:spcBef>
+                <a:spcPts val="1001"/>
+              </a:spcBef>
+              <a:buClr>
+                <a:srgbClr val="000000"/>
+              </a:buClr>
+              <a:buFont typeface="Arial"/>
+              <a:buChar char="•"/>
+            </a:pPr>
+            <a:r>
+              <a:rPr b="0" lang="pt-BR" sz="3200" spc="-1" strike="noStrike">
+                <a:solidFill>
+                  <a:srgbClr val="000000"/>
+                </a:solidFill>
+                <a:latin typeface="Calibri"/>
+                <a:ea typeface="DejaVu Sans"/>
+              </a:rPr>
+              <a:t>seria necessário uma tag para </a:t>
+            </a:r>
+            <a:endParaRPr b="0" lang="pt-BR" sz="3200" spc="-1" strike="noStrike">
+              <a:latin typeface="Arial"/>
+            </a:endParaRPr>
+          </a:p>
+          <a:p>
+            <a:pPr marL="228600" indent="-224280">
+              <a:lnSpc>
+                <a:spcPct val="90000"/>
+              </a:lnSpc>
+              <a:spcBef>
+                <a:spcPts val="1001"/>
+              </a:spcBef>
+              <a:buClr>
+                <a:srgbClr val="000000"/>
+              </a:buClr>
+              <a:buFont typeface="Arial"/>
+              <a:buChar char="•"/>
+            </a:pPr>
+            <a:r>
+              <a:rPr b="0" lang="pt-BR" sz="3200" spc="-1" strike="noStrike">
+                <a:solidFill>
+                  <a:srgbClr val="000000"/>
+                </a:solidFill>
+                <a:latin typeface="Calibri"/>
+                <a:ea typeface="DejaVu Sans"/>
+              </a:rPr>
+              <a:t>cada botão.</a:t>
             </a:r>
             <a:endParaRPr b="0" lang="pt-BR" sz="3200" spc="-1" strike="noStrike">
               <a:latin typeface="Arial"/>
@@ -2122,6 +2261,52 @@
           </a:p>
         </p:txBody>
       </p:sp>
+      <p:pic>
+        <p:nvPicPr>
+          <p:cNvPr id="82" name="" descr=""/>
+          <p:cNvPicPr/>
+          <p:nvPr/>
+        </p:nvPicPr>
+        <p:blipFill>
+          <a:blip r:embed="rId1"/>
+          <a:stretch/>
+        </p:blipFill>
+        <p:spPr>
+          <a:xfrm>
+            <a:off x="2848320" y="360000"/>
+            <a:ext cx="8864640" cy="3060000"/>
+          </a:xfrm>
+          <a:prstGeom prst="rect">
+            <a:avLst/>
+          </a:prstGeom>
+          <a:ln w="0">
+            <a:noFill/>
+          </a:ln>
+        </p:spPr>
+      </p:pic>
+      <p:pic>
+        <p:nvPicPr>
+          <p:cNvPr id="83" name="" descr=""/>
+          <p:cNvPicPr/>
+          <p:nvPr/>
+        </p:nvPicPr>
+        <p:blipFill>
+          <a:blip r:embed="rId2"/>
+          <a:stretch/>
+        </p:blipFill>
+        <p:spPr>
+          <a:xfrm>
+            <a:off x="5901480" y="5040000"/>
+            <a:ext cx="5798520" cy="1408320"/>
+          </a:xfrm>
+          <a:prstGeom prst="rect">
+            <a:avLst/>
+          </a:prstGeom>
+          <a:ln w="0">
+            <a:noFill/>
+          </a:ln>
+        </p:spPr>
+      </p:pic>
     </p:spTree>
   </p:cSld>
   <mc:AlternateContent>
@@ -2154,14 +2339,14 @@
       </p:grpSpPr>
       <p:sp>
         <p:nvSpPr>
-          <p:cNvPr id="75" name="CustomShape 1"/>
+          <p:cNvPr id="84" name="CustomShape 1"/>
           <p:cNvSpPr/>
           <p:nvPr/>
         </p:nvSpPr>
         <p:spPr>
           <a:xfrm>
             <a:off x="395280" y="374400"/>
-            <a:ext cx="8292240" cy="884520"/>
+            <a:ext cx="8291880" cy="884160"/>
           </a:xfrm>
           <a:prstGeom prst="rect">
             <a:avLst/>
@@ -2195,7 +2380,7 @@
                 <a:latin typeface="Calibri Light"/>
                 <a:ea typeface="DejaVu Sans"/>
               </a:rPr>
-              <a:t>Teste:</a:t>
+              <a:t>CSS:</a:t>
             </a:r>
             <a:endParaRPr b="0" lang="pt-BR" sz="4400" spc="-1" strike="noStrike">
               <a:latin typeface="Arial"/>
@@ -2203,78 +2388,29 @@
           </a:p>
         </p:txBody>
       </p:sp>
-      <p:sp>
-        <p:nvSpPr>
-          <p:cNvPr id="76" name="CustomShape 2"/>
-          <p:cNvSpPr/>
+      <p:pic>
+        <p:nvPicPr>
+          <p:cNvPr id="85" name="" descr=""/>
+          <p:cNvPicPr/>
           <p:nvPr/>
-        </p:nvSpPr>
-        <p:spPr>
-          <a:xfrm>
-            <a:off x="395280" y="1479960"/>
-            <a:ext cx="11487960" cy="5086800"/>
-          </a:xfrm>
-          <a:prstGeom prst="rect">
-            <a:avLst/>
-          </a:prstGeom>
-          <a:noFill/>
+        </p:nvPicPr>
+        <p:blipFill>
+          <a:blip r:embed="rId1"/>
+          <a:stretch/>
+        </p:blipFill>
+        <p:spPr>
+          <a:xfrm>
+            <a:off x="2517120" y="466560"/>
+            <a:ext cx="9182880" cy="5473440"/>
+          </a:xfrm>
+          <a:prstGeom prst="rect">
+            <a:avLst/>
+          </a:prstGeom>
           <a:ln w="0">
             <a:noFill/>
           </a:ln>
         </p:spPr>
-        <p:style>
-          <a:lnRef idx="0"/>
-          <a:fillRef idx="0"/>
-          <a:effectRef idx="0"/>
-          <a:fontRef idx="minor"/>
-        </p:style>
-        <p:txBody>
-          <a:bodyPr lIns="90000" rIns="90000" tIns="45000" bIns="45000">
-            <a:normAutofit/>
-          </a:bodyPr>
-          <a:p>
-            <a:pPr marL="228600" indent="-224640">
-              <a:lnSpc>
-                <a:spcPct val="90000"/>
-              </a:lnSpc>
-              <a:spcBef>
-                <a:spcPts val="1001"/>
-              </a:spcBef>
-              <a:buClr>
-                <a:srgbClr val="000000"/>
-              </a:buClr>
-              <a:buFont typeface="Arial"/>
-              <a:buChar char="•"/>
-            </a:pPr>
-            <a:r>
-              <a:rPr b="0" lang="pt-BR" sz="3200" spc="-1" strike="noStrike">
-                <a:solidFill>
-                  <a:srgbClr val="000000"/>
-                </a:solidFill>
-                <a:latin typeface="Calibri"/>
-                <a:ea typeface="DejaVu Sans"/>
-              </a:rPr>
-              <a:t>Texto</a:t>
-            </a:r>
-            <a:endParaRPr b="0" lang="pt-BR" sz="3200" spc="-1" strike="noStrike">
-              <a:latin typeface="Arial"/>
-            </a:endParaRPr>
-          </a:p>
-          <a:p>
-            <a:pPr>
-              <a:lnSpc>
-                <a:spcPct val="90000"/>
-              </a:lnSpc>
-              <a:spcBef>
-                <a:spcPts val="1001"/>
-              </a:spcBef>
-            </a:pPr>
-            <a:endParaRPr b="0" lang="pt-BR" sz="3200" spc="-1" strike="noStrike">
-              <a:latin typeface="Arial"/>
-            </a:endParaRPr>
-          </a:p>
-        </p:txBody>
-      </p:sp>
+      </p:pic>
     </p:spTree>
   </p:cSld>
   <mc:AlternateContent>
@@ -2307,14 +2443,14 @@
       </p:grpSpPr>
       <p:sp>
         <p:nvSpPr>
-          <p:cNvPr id="77" name="CustomShape 1"/>
+          <p:cNvPr id="86" name="CustomShape 1"/>
           <p:cNvSpPr/>
           <p:nvPr/>
         </p:nvSpPr>
         <p:spPr>
           <a:xfrm>
             <a:off x="395280" y="374400"/>
-            <a:ext cx="8292240" cy="884520"/>
+            <a:ext cx="8291880" cy="884160"/>
           </a:xfrm>
           <a:prstGeom prst="rect">
             <a:avLst/>
@@ -2348,7 +2484,7 @@
                 <a:latin typeface="Calibri Light"/>
                 <a:ea typeface="DejaVu Sans"/>
               </a:rPr>
-              <a:t>Teste:</a:t>
+              <a:t>Checkbox:</a:t>
             </a:r>
             <a:endParaRPr b="0" lang="pt-BR" sz="4400" spc="-1" strike="noStrike">
               <a:latin typeface="Arial"/>
@@ -2358,14 +2494,14 @@
       </p:sp>
       <p:sp>
         <p:nvSpPr>
-          <p:cNvPr id="78" name="CustomShape 2"/>
+          <p:cNvPr id="87" name="CustomShape 2"/>
           <p:cNvSpPr/>
           <p:nvPr/>
         </p:nvSpPr>
         <p:spPr>
           <a:xfrm>
             <a:off x="395280" y="1479960"/>
-            <a:ext cx="11487960" cy="5086800"/>
+            <a:ext cx="11487600" cy="5086440"/>
           </a:xfrm>
           <a:prstGeom prst="rect">
             <a:avLst/>
@@ -2386,28 +2522,224 @@
             <a:normAutofit/>
           </a:bodyPr>
           <a:p>
-            <a:pPr marL="228600" indent="-224640">
-              <a:lnSpc>
-                <a:spcPct val="90000"/>
-              </a:lnSpc>
-              <a:spcBef>
-                <a:spcPts val="1001"/>
-              </a:spcBef>
-              <a:buClr>
-                <a:srgbClr val="000000"/>
-              </a:buClr>
-              <a:buFont typeface="Arial"/>
-              <a:buChar char="•"/>
-            </a:pPr>
-            <a:r>
-              <a:rPr b="0" lang="pt-BR" sz="3200" spc="-1" strike="noStrike">
-                <a:solidFill>
-                  <a:srgbClr val="000000"/>
-                </a:solidFill>
-                <a:latin typeface="Calibri"/>
-                <a:ea typeface="DejaVu Sans"/>
-              </a:rPr>
-              <a:t>Texto</a:t>
+            <a:pPr marL="228600" indent="-224280">
+              <a:lnSpc>
+                <a:spcPct val="90000"/>
+              </a:lnSpc>
+              <a:spcBef>
+                <a:spcPts val="1001"/>
+              </a:spcBef>
+              <a:buClr>
+                <a:srgbClr val="000000"/>
+              </a:buClr>
+              <a:buFont typeface="Arial"/>
+              <a:buChar char="•"/>
+            </a:pPr>
+            <a:r>
+              <a:rPr b="0" lang="pt-BR" sz="3200" spc="-1" strike="noStrike">
+                <a:solidFill>
+                  <a:srgbClr val="000000"/>
+                </a:solidFill>
+                <a:latin typeface="Calibri"/>
+                <a:ea typeface="DejaVu Sans"/>
+              </a:rPr>
+              <a:t>Vamos criar um </a:t>
+            </a:r>
+            <a:endParaRPr b="0" lang="pt-BR" sz="3200" spc="-1" strike="noStrike">
+              <a:latin typeface="Arial"/>
+            </a:endParaRPr>
+          </a:p>
+          <a:p>
+            <a:pPr marL="228600" indent="-224280">
+              <a:lnSpc>
+                <a:spcPct val="90000"/>
+              </a:lnSpc>
+              <a:spcBef>
+                <a:spcPts val="1001"/>
+              </a:spcBef>
+              <a:buClr>
+                <a:srgbClr val="000000"/>
+              </a:buClr>
+              <a:buFont typeface="Arial"/>
+              <a:buChar char="•"/>
+            </a:pPr>
+            <a:r>
+              <a:rPr b="0" lang="pt-BR" sz="3200" spc="-1" strike="noStrike">
+                <a:solidFill>
+                  <a:srgbClr val="000000"/>
+                </a:solidFill>
+                <a:latin typeface="Calibri"/>
+                <a:ea typeface="DejaVu Sans"/>
+              </a:rPr>
+              <a:t>campo de </a:t>
+            </a:r>
+            <a:endParaRPr b="0" lang="pt-BR" sz="3200" spc="-1" strike="noStrike">
+              <a:latin typeface="Arial"/>
+            </a:endParaRPr>
+          </a:p>
+          <a:p>
+            <a:pPr marL="228600" indent="-224280">
+              <a:lnSpc>
+                <a:spcPct val="90000"/>
+              </a:lnSpc>
+              <a:spcBef>
+                <a:spcPts val="1001"/>
+              </a:spcBef>
+              <a:buClr>
+                <a:srgbClr val="000000"/>
+              </a:buClr>
+              <a:buFont typeface="Arial"/>
+              <a:buChar char="•"/>
+            </a:pPr>
+            <a:r>
+              <a:rPr b="0" lang="pt-BR" sz="3200" spc="-1" strike="noStrike">
+                <a:solidFill>
+                  <a:srgbClr val="000000"/>
+                </a:solidFill>
+                <a:latin typeface="Calibri"/>
+                <a:ea typeface="DejaVu Sans"/>
+              </a:rPr>
+              <a:t>checkbox.</a:t>
+            </a:r>
+            <a:endParaRPr b="0" lang="pt-BR" sz="3200" spc="-1" strike="noStrike">
+              <a:latin typeface="Arial"/>
+            </a:endParaRPr>
+          </a:p>
+          <a:p>
+            <a:pPr marL="228600" indent="-224280">
+              <a:lnSpc>
+                <a:spcPct val="90000"/>
+              </a:lnSpc>
+              <a:spcBef>
+                <a:spcPts val="1001"/>
+              </a:spcBef>
+              <a:buClr>
+                <a:srgbClr val="000000"/>
+              </a:buClr>
+              <a:buFont typeface="Arial"/>
+              <a:buChar char="•"/>
+            </a:pPr>
+            <a:r>
+              <a:rPr b="0" lang="pt-BR" sz="3200" spc="-1" strike="noStrike">
+                <a:solidFill>
+                  <a:srgbClr val="000000"/>
+                </a:solidFill>
+                <a:latin typeface="Calibri"/>
+                <a:ea typeface="DejaVu Sans"/>
+              </a:rPr>
+              <a:t> </a:t>
+            </a:r>
+            <a:endParaRPr b="0" lang="pt-BR" sz="3200" spc="-1" strike="noStrike">
+              <a:latin typeface="Arial"/>
+            </a:endParaRPr>
+          </a:p>
+          <a:p>
+            <a:pPr marL="228600" indent="-224280">
+              <a:lnSpc>
+                <a:spcPct val="90000"/>
+              </a:lnSpc>
+              <a:spcBef>
+                <a:spcPts val="1001"/>
+              </a:spcBef>
+              <a:buClr>
+                <a:srgbClr val="000000"/>
+              </a:buClr>
+              <a:buFont typeface="Arial"/>
+              <a:buChar char="•"/>
+            </a:pPr>
+            <a:r>
+              <a:rPr b="0" lang="pt-BR" sz="3200" spc="-1" strike="noStrike">
+                <a:solidFill>
+                  <a:srgbClr val="000000"/>
+                </a:solidFill>
+                <a:latin typeface="Calibri"/>
+                <a:ea typeface="DejaVu Sans"/>
+              </a:rPr>
+              <a:t> </a:t>
+            </a:r>
+            <a:endParaRPr b="0" lang="pt-BR" sz="3200" spc="-1" strike="noStrike">
+              <a:latin typeface="Arial"/>
+            </a:endParaRPr>
+          </a:p>
+          <a:p>
+            <a:pPr marL="228600" indent="-224280">
+              <a:lnSpc>
+                <a:spcPct val="90000"/>
+              </a:lnSpc>
+              <a:spcBef>
+                <a:spcPts val="1001"/>
+              </a:spcBef>
+              <a:buClr>
+                <a:srgbClr val="000000"/>
+              </a:buClr>
+              <a:buFont typeface="Arial"/>
+              <a:buChar char="•"/>
+            </a:pPr>
+            <a:r>
+              <a:rPr b="0" lang="pt-BR" sz="3200" spc="-1" strike="noStrike">
+                <a:solidFill>
+                  <a:srgbClr val="000000"/>
+                </a:solidFill>
+                <a:latin typeface="Calibri"/>
+                <a:ea typeface="DejaVu Sans"/>
+              </a:rPr>
+              <a:t>E copiar ele 3 vezes.</a:t>
+            </a:r>
+            <a:endParaRPr b="0" lang="pt-BR" sz="3200" spc="-1" strike="noStrike">
+              <a:latin typeface="Arial"/>
+            </a:endParaRPr>
+          </a:p>
+          <a:p>
+            <a:pPr marL="228600" indent="-224280">
+              <a:lnSpc>
+                <a:spcPct val="90000"/>
+              </a:lnSpc>
+              <a:spcBef>
+                <a:spcPts val="1001"/>
+              </a:spcBef>
+              <a:buClr>
+                <a:srgbClr val="000000"/>
+              </a:buClr>
+              <a:buFont typeface="Arial"/>
+              <a:buChar char="•"/>
+            </a:pPr>
+            <a:r>
+              <a:rPr b="0" lang="pt-BR" sz="3200" spc="-1" strike="noStrike">
+                <a:solidFill>
+                  <a:srgbClr val="000000"/>
+                </a:solidFill>
+                <a:latin typeface="Calibri"/>
+                <a:ea typeface="DejaVu Sans"/>
+              </a:rPr>
+              <a:t>Modificando os </a:t>
+            </a:r>
+            <a:endParaRPr b="0" lang="pt-BR" sz="3200" spc="-1" strike="noStrike">
+              <a:latin typeface="Arial"/>
+            </a:endParaRPr>
+          </a:p>
+          <a:p>
+            <a:pPr marL="228600" indent="-224280">
+              <a:lnSpc>
+                <a:spcPct val="90000"/>
+              </a:lnSpc>
+              <a:spcBef>
+                <a:spcPts val="1001"/>
+              </a:spcBef>
+              <a:buClr>
+                <a:srgbClr val="000000"/>
+              </a:buClr>
+              <a:buFont typeface="Arial"/>
+              <a:buChar char="•"/>
+            </a:pPr>
+            <a:r>
+              <a:rPr b="0" lang="pt-BR" sz="3200" spc="-1" strike="noStrike">
+                <a:solidFill>
+                  <a:srgbClr val="000000"/>
+                </a:solidFill>
+                <a:latin typeface="Calibri"/>
+                <a:ea typeface="DejaVu Sans"/>
+              </a:rPr>
+              <a:t>detalhes.</a:t>
             </a:r>
             <a:endParaRPr b="0" lang="pt-BR" sz="3200" spc="-1" strike="noStrike">
               <a:latin typeface="Arial"/>
@@ -2428,6 +2760,168 @@
           </a:p>
         </p:txBody>
       </p:sp>
+      <p:pic>
+        <p:nvPicPr>
+          <p:cNvPr id="88" name="" descr=""/>
+          <p:cNvPicPr/>
+          <p:nvPr/>
+        </p:nvPicPr>
+        <p:blipFill>
+          <a:blip r:embed="rId1"/>
+          <a:stretch/>
+        </p:blipFill>
+        <p:spPr>
+          <a:xfrm>
+            <a:off x="3732840" y="540000"/>
+            <a:ext cx="7967160" cy="2383560"/>
+          </a:xfrm>
+          <a:prstGeom prst="rect">
+            <a:avLst/>
+          </a:prstGeom>
+          <a:ln w="0">
+            <a:noFill/>
+          </a:ln>
+        </p:spPr>
+      </p:pic>
+      <p:pic>
+        <p:nvPicPr>
+          <p:cNvPr id="89" name="" descr=""/>
+          <p:cNvPicPr/>
+          <p:nvPr/>
+        </p:nvPicPr>
+        <p:blipFill>
+          <a:blip r:embed="rId2"/>
+          <a:stretch/>
+        </p:blipFill>
+        <p:spPr>
+          <a:xfrm>
+            <a:off x="4680000" y="4488120"/>
+            <a:ext cx="6966000" cy="551880"/>
+          </a:xfrm>
+          <a:prstGeom prst="rect">
+            <a:avLst/>
+          </a:prstGeom>
+          <a:ln w="0">
+            <a:noFill/>
+          </a:ln>
+        </p:spPr>
+      </p:pic>
+      <p:pic>
+        <p:nvPicPr>
+          <p:cNvPr id="90" name="" descr=""/>
+          <p:cNvPicPr/>
+          <p:nvPr/>
+        </p:nvPicPr>
+        <p:blipFill>
+          <a:blip r:embed="rId3"/>
+          <a:stretch/>
+        </p:blipFill>
+        <p:spPr>
+          <a:xfrm>
+            <a:off x="2160000" y="3240000"/>
+            <a:ext cx="1440000" cy="954720"/>
+          </a:xfrm>
+          <a:prstGeom prst="rect">
+            <a:avLst/>
+          </a:prstGeom>
+          <a:ln w="0">
+            <a:noFill/>
+          </a:ln>
+        </p:spPr>
+      </p:pic>
+      <p:pic>
+        <p:nvPicPr>
+          <p:cNvPr id="91" name="" descr=""/>
+          <p:cNvPicPr/>
+          <p:nvPr/>
+        </p:nvPicPr>
+        <p:blipFill>
+          <a:blip r:embed="rId4"/>
+          <a:srcRect l="7366" t="39564" r="36145" b="45318"/>
+          <a:stretch/>
+        </p:blipFill>
+        <p:spPr>
+          <a:xfrm>
+            <a:off x="4948200" y="3240000"/>
+            <a:ext cx="6751800" cy="539640"/>
+          </a:xfrm>
+          <a:prstGeom prst="rect">
+            <a:avLst/>
+          </a:prstGeom>
+          <a:ln w="0">
+            <a:noFill/>
+          </a:ln>
+        </p:spPr>
+      </p:pic>
+      <p:pic>
+        <p:nvPicPr>
+          <p:cNvPr id="92" name="" descr=""/>
+          <p:cNvPicPr/>
+          <p:nvPr/>
+        </p:nvPicPr>
+        <p:blipFill>
+          <a:blip r:embed="rId5"/>
+          <a:stretch/>
+        </p:blipFill>
+        <p:spPr>
+          <a:xfrm>
+            <a:off x="3780000" y="3240000"/>
+            <a:ext cx="1000080" cy="900000"/>
+          </a:xfrm>
+          <a:prstGeom prst="rect">
+            <a:avLst/>
+          </a:prstGeom>
+          <a:ln w="0">
+            <a:noFill/>
+          </a:ln>
+        </p:spPr>
+      </p:pic>
+      <p:pic>
+        <p:nvPicPr>
+          <p:cNvPr id="93" name="" descr=""/>
+          <p:cNvPicPr/>
+          <p:nvPr/>
+        </p:nvPicPr>
+        <p:blipFill>
+          <a:blip r:embed="rId6"/>
+          <a:stretch/>
+        </p:blipFill>
+        <p:spPr>
+          <a:xfrm>
+            <a:off x="4680000" y="5207040"/>
+            <a:ext cx="7020000" cy="567360"/>
+          </a:xfrm>
+          <a:prstGeom prst="rect">
+            <a:avLst/>
+          </a:prstGeom>
+          <a:ln w="0">
+            <a:noFill/>
+          </a:ln>
+        </p:spPr>
+      </p:pic>
+      <p:pic>
+        <p:nvPicPr>
+          <p:cNvPr id="94" name="" descr=""/>
+          <p:cNvPicPr/>
+          <p:nvPr/>
+        </p:nvPicPr>
+        <p:blipFill>
+          <a:blip r:embed="rId7"/>
+          <a:stretch/>
+        </p:blipFill>
+        <p:spPr>
+          <a:xfrm>
+            <a:off x="4680000" y="5994720"/>
+            <a:ext cx="7020000" cy="571680"/>
+          </a:xfrm>
+          <a:prstGeom prst="rect">
+            <a:avLst/>
+          </a:prstGeom>
+          <a:ln w="0">
+            <a:noFill/>
+          </a:ln>
+        </p:spPr>
+      </p:pic>
     </p:spTree>
   </p:cSld>
   <mc:AlternateContent>
@@ -2460,14 +2954,14 @@
       </p:grpSpPr>
       <p:sp>
         <p:nvSpPr>
-          <p:cNvPr id="79" name="CustomShape 1"/>
+          <p:cNvPr id="95" name="CustomShape 1"/>
           <p:cNvSpPr/>
           <p:nvPr/>
         </p:nvSpPr>
         <p:spPr>
           <a:xfrm>
             <a:off x="395280" y="374400"/>
-            <a:ext cx="8292240" cy="884520"/>
+            <a:ext cx="8291880" cy="884160"/>
           </a:xfrm>
           <a:prstGeom prst="rect">
             <a:avLst/>
@@ -2501,7 +2995,7 @@
                 <a:latin typeface="Calibri Light"/>
                 <a:ea typeface="DejaVu Sans"/>
               </a:rPr>
-              <a:t>Teste:</a:t>
+              <a:t>Fica assim:</a:t>
             </a:r>
             <a:endParaRPr b="0" lang="pt-BR" sz="4400" spc="-1" strike="noStrike">
               <a:latin typeface="Arial"/>
@@ -2509,78 +3003,29 @@
           </a:p>
         </p:txBody>
       </p:sp>
-      <p:sp>
-        <p:nvSpPr>
-          <p:cNvPr id="80" name="CustomShape 2"/>
-          <p:cNvSpPr/>
+      <p:pic>
+        <p:nvPicPr>
+          <p:cNvPr id="96" name="" descr=""/>
+          <p:cNvPicPr/>
           <p:nvPr/>
-        </p:nvSpPr>
-        <p:spPr>
-          <a:xfrm>
-            <a:off x="395280" y="1479960"/>
-            <a:ext cx="11487960" cy="5086800"/>
-          </a:xfrm>
-          <a:prstGeom prst="rect">
-            <a:avLst/>
-          </a:prstGeom>
-          <a:noFill/>
+        </p:nvPicPr>
+        <p:blipFill>
+          <a:blip r:embed="rId1"/>
+          <a:stretch/>
+        </p:blipFill>
+        <p:spPr>
+          <a:xfrm>
+            <a:off x="3600000" y="374400"/>
+            <a:ext cx="8279640" cy="6178680"/>
+          </a:xfrm>
+          <a:prstGeom prst="rect">
+            <a:avLst/>
+          </a:prstGeom>
           <a:ln w="0">
             <a:noFill/>
           </a:ln>
         </p:spPr>
-        <p:style>
-          <a:lnRef idx="0"/>
-          <a:fillRef idx="0"/>
-          <a:effectRef idx="0"/>
-          <a:fontRef idx="minor"/>
-        </p:style>
-        <p:txBody>
-          <a:bodyPr lIns="90000" rIns="90000" tIns="45000" bIns="45000">
-            <a:normAutofit/>
-          </a:bodyPr>
-          <a:p>
-            <a:pPr marL="228600" indent="-224640">
-              <a:lnSpc>
-                <a:spcPct val="90000"/>
-              </a:lnSpc>
-              <a:spcBef>
-                <a:spcPts val="1001"/>
-              </a:spcBef>
-              <a:buClr>
-                <a:srgbClr val="000000"/>
-              </a:buClr>
-              <a:buFont typeface="Arial"/>
-              <a:buChar char="•"/>
-            </a:pPr>
-            <a:r>
-              <a:rPr b="0" lang="pt-BR" sz="3200" spc="-1" strike="noStrike">
-                <a:solidFill>
-                  <a:srgbClr val="000000"/>
-                </a:solidFill>
-                <a:latin typeface="Calibri"/>
-                <a:ea typeface="DejaVu Sans"/>
-              </a:rPr>
-              <a:t>Texto</a:t>
-            </a:r>
-            <a:endParaRPr b="0" lang="pt-BR" sz="3200" spc="-1" strike="noStrike">
-              <a:latin typeface="Arial"/>
-            </a:endParaRPr>
-          </a:p>
-          <a:p>
-            <a:pPr>
-              <a:lnSpc>
-                <a:spcPct val="90000"/>
-              </a:lnSpc>
-              <a:spcBef>
-                <a:spcPts val="1001"/>
-              </a:spcBef>
-            </a:pPr>
-            <a:endParaRPr b="0" lang="pt-BR" sz="3200" spc="-1" strike="noStrike">
-              <a:latin typeface="Arial"/>
-            </a:endParaRPr>
-          </a:p>
-        </p:txBody>
-      </p:sp>
+      </p:pic>
     </p:spTree>
   </p:cSld>
   <mc:AlternateContent>
@@ -2613,14 +3058,14 @@
       </p:grpSpPr>
       <p:sp>
         <p:nvSpPr>
-          <p:cNvPr id="81" name="CustomShape 1"/>
+          <p:cNvPr id="97" name="CustomShape 1"/>
           <p:cNvSpPr/>
           <p:nvPr/>
         </p:nvSpPr>
         <p:spPr>
           <a:xfrm>
             <a:off x="395280" y="374400"/>
-            <a:ext cx="8292240" cy="884520"/>
+            <a:ext cx="8291880" cy="884160"/>
           </a:xfrm>
           <a:prstGeom prst="rect">
             <a:avLst/>
@@ -2654,7 +3099,7 @@
                 <a:latin typeface="Calibri Light"/>
                 <a:ea typeface="DejaVu Sans"/>
               </a:rPr>
-              <a:t>Teste:</a:t>
+              <a:t>CSS:</a:t>
             </a:r>
             <a:endParaRPr b="0" lang="pt-BR" sz="4400" spc="-1" strike="noStrike">
               <a:latin typeface="Arial"/>
@@ -2664,14 +3109,14 @@
       </p:sp>
       <p:sp>
         <p:nvSpPr>
-          <p:cNvPr id="82" name="CustomShape 2"/>
+          <p:cNvPr id="98" name="CustomShape 2"/>
           <p:cNvSpPr/>
           <p:nvPr/>
         </p:nvSpPr>
         <p:spPr>
           <a:xfrm>
             <a:off x="395280" y="1479960"/>
-            <a:ext cx="11487960" cy="5086800"/>
+            <a:ext cx="11487600" cy="5086440"/>
           </a:xfrm>
           <a:prstGeom prst="rect">
             <a:avLst/>
@@ -2692,28 +3137,168 @@
             <a:normAutofit/>
           </a:bodyPr>
           <a:p>
-            <a:pPr marL="228600" indent="-224640">
-              <a:lnSpc>
-                <a:spcPct val="90000"/>
-              </a:lnSpc>
-              <a:spcBef>
-                <a:spcPts val="1001"/>
-              </a:spcBef>
-              <a:buClr>
-                <a:srgbClr val="000000"/>
-              </a:buClr>
-              <a:buFont typeface="Arial"/>
-              <a:buChar char="•"/>
-            </a:pPr>
-            <a:r>
-              <a:rPr b="0" lang="pt-BR" sz="3200" spc="-1" strike="noStrike">
-                <a:solidFill>
-                  <a:srgbClr val="000000"/>
-                </a:solidFill>
-                <a:latin typeface="Calibri"/>
-                <a:ea typeface="DejaVu Sans"/>
-              </a:rPr>
-              <a:t>Texto</a:t>
+            <a:pPr marL="228600" indent="-224280">
+              <a:lnSpc>
+                <a:spcPct val="90000"/>
+              </a:lnSpc>
+              <a:spcBef>
+                <a:spcPts val="1001"/>
+              </a:spcBef>
+              <a:buClr>
+                <a:srgbClr val="000000"/>
+              </a:buClr>
+              <a:buFont typeface="Arial"/>
+              <a:buChar char="•"/>
+            </a:pPr>
+            <a:r>
+              <a:rPr b="0" lang="pt-BR" sz="3200" spc="-1" strike="noStrike">
+                <a:solidFill>
+                  <a:srgbClr val="000000"/>
+                </a:solidFill>
+                <a:latin typeface="Calibri"/>
+                <a:ea typeface="DejaVu Sans"/>
+              </a:rPr>
+              <a:t>Arrumamos no </a:t>
+            </a:r>
+            <a:endParaRPr b="0" lang="pt-BR" sz="3200" spc="-1" strike="noStrike">
+              <a:latin typeface="Arial"/>
+            </a:endParaRPr>
+          </a:p>
+          <a:p>
+            <a:pPr marL="228600" indent="-224280">
+              <a:lnSpc>
+                <a:spcPct val="90000"/>
+              </a:lnSpc>
+              <a:spcBef>
+                <a:spcPts val="1001"/>
+              </a:spcBef>
+              <a:buClr>
+                <a:srgbClr val="000000"/>
+              </a:buClr>
+              <a:buFont typeface="Arial"/>
+              <a:buChar char="•"/>
+            </a:pPr>
+            <a:r>
+              <a:rPr b="0" lang="pt-BR" sz="3200" spc="-1" strike="noStrike">
+                <a:solidFill>
+                  <a:srgbClr val="000000"/>
+                </a:solidFill>
+                <a:latin typeface="Calibri"/>
+                <a:ea typeface="DejaVu Sans"/>
+              </a:rPr>
+              <a:t>CSS.</a:t>
+            </a:r>
+            <a:endParaRPr b="0" lang="pt-BR" sz="3200" spc="-1" strike="noStrike">
+              <a:latin typeface="Arial"/>
+            </a:endParaRPr>
+          </a:p>
+          <a:p>
+            <a:pPr marL="228600" indent="-224280">
+              <a:lnSpc>
+                <a:spcPct val="90000"/>
+              </a:lnSpc>
+              <a:spcBef>
+                <a:spcPts val="1001"/>
+              </a:spcBef>
+              <a:buClr>
+                <a:srgbClr val="000000"/>
+              </a:buClr>
+              <a:buFont typeface="Arial"/>
+              <a:buChar char="•"/>
+            </a:pPr>
+            <a:r>
+              <a:rPr b="0" lang="pt-BR" sz="3200" spc="-1" strike="noStrike">
+                <a:solidFill>
+                  <a:srgbClr val="000000"/>
+                </a:solidFill>
+                <a:latin typeface="Calibri"/>
+                <a:ea typeface="DejaVu Sans"/>
+              </a:rPr>
+              <a:t> </a:t>
+            </a:r>
+            <a:endParaRPr b="0" lang="pt-BR" sz="3200" spc="-1" strike="noStrike">
+              <a:latin typeface="Arial"/>
+            </a:endParaRPr>
+          </a:p>
+          <a:p>
+            <a:pPr marL="228600" indent="-224280">
+              <a:lnSpc>
+                <a:spcPct val="90000"/>
+              </a:lnSpc>
+              <a:spcBef>
+                <a:spcPts val="1001"/>
+              </a:spcBef>
+              <a:buClr>
+                <a:srgbClr val="000000"/>
+              </a:buClr>
+              <a:buFont typeface="Arial"/>
+              <a:buChar char="•"/>
+            </a:pPr>
+            <a:r>
+              <a:rPr b="0" lang="pt-BR" sz="3200" spc="-1" strike="noStrike">
+                <a:solidFill>
+                  <a:srgbClr val="000000"/>
+                </a:solidFill>
+                <a:latin typeface="Calibri"/>
+                <a:ea typeface="DejaVu Sans"/>
+              </a:rPr>
+              <a:t> </a:t>
+            </a:r>
+            <a:endParaRPr b="0" lang="pt-BR" sz="3200" spc="-1" strike="noStrike">
+              <a:latin typeface="Arial"/>
+            </a:endParaRPr>
+          </a:p>
+          <a:p>
+            <a:pPr marL="228600" indent="-224280">
+              <a:lnSpc>
+                <a:spcPct val="90000"/>
+              </a:lnSpc>
+              <a:spcBef>
+                <a:spcPts val="1001"/>
+              </a:spcBef>
+              <a:buClr>
+                <a:srgbClr val="000000"/>
+              </a:buClr>
+              <a:buFont typeface="Arial"/>
+              <a:buChar char="•"/>
+            </a:pPr>
+            <a:r>
+              <a:rPr b="0" lang="pt-BR" sz="3200" spc="-1" strike="noStrike">
+                <a:solidFill>
+                  <a:srgbClr val="000000"/>
+                </a:solidFill>
+                <a:latin typeface="Calibri"/>
+                <a:ea typeface="DejaVu Sans"/>
+              </a:rPr>
+              <a:t> </a:t>
+            </a:r>
+            <a:endParaRPr b="0" lang="pt-BR" sz="3200" spc="-1" strike="noStrike">
+              <a:latin typeface="Arial"/>
+            </a:endParaRPr>
+          </a:p>
+          <a:p>
+            <a:pPr marL="228600" indent="-224280">
+              <a:lnSpc>
+                <a:spcPct val="90000"/>
+              </a:lnSpc>
+              <a:spcBef>
+                <a:spcPts val="1001"/>
+              </a:spcBef>
+              <a:buClr>
+                <a:srgbClr val="000000"/>
+              </a:buClr>
+              <a:buFont typeface="Arial"/>
+              <a:buChar char="•"/>
+            </a:pPr>
+            <a:r>
+              <a:rPr b="0" lang="pt-BR" sz="3200" spc="-1" strike="noStrike">
+                <a:solidFill>
+                  <a:srgbClr val="000000"/>
+                </a:solidFill>
+                <a:latin typeface="Calibri"/>
+                <a:ea typeface="DejaVu Sans"/>
+              </a:rPr>
+              <a:t>E colocamos uma delas ou mais como checked.</a:t>
             </a:r>
             <a:endParaRPr b="0" lang="pt-BR" sz="3200" spc="-1" strike="noStrike">
               <a:latin typeface="Arial"/>
@@ -2734,6 +3319,52 @@
           </a:p>
         </p:txBody>
       </p:sp>
+      <p:pic>
+        <p:nvPicPr>
+          <p:cNvPr id="99" name="" descr=""/>
+          <p:cNvPicPr/>
+          <p:nvPr/>
+        </p:nvPicPr>
+        <p:blipFill>
+          <a:blip r:embed="rId1"/>
+          <a:stretch/>
+        </p:blipFill>
+        <p:spPr>
+          <a:xfrm>
+            <a:off x="3880080" y="526680"/>
+            <a:ext cx="7875720" cy="2893320"/>
+          </a:xfrm>
+          <a:prstGeom prst="rect">
+            <a:avLst/>
+          </a:prstGeom>
+          <a:ln w="0">
+            <a:noFill/>
+          </a:ln>
+        </p:spPr>
+      </p:pic>
+      <p:pic>
+        <p:nvPicPr>
+          <p:cNvPr id="100" name="" descr=""/>
+          <p:cNvPicPr/>
+          <p:nvPr/>
+        </p:nvPicPr>
+        <p:blipFill>
+          <a:blip r:embed="rId2"/>
+          <a:stretch/>
+        </p:blipFill>
+        <p:spPr>
+          <a:xfrm>
+            <a:off x="3346560" y="5040000"/>
+            <a:ext cx="8354160" cy="1303560"/>
+          </a:xfrm>
+          <a:prstGeom prst="rect">
+            <a:avLst/>
+          </a:prstGeom>
+          <a:ln w="0">
+            <a:noFill/>
+          </a:ln>
+        </p:spPr>
+      </p:pic>
     </p:spTree>
   </p:cSld>
   <mc:AlternateContent>
@@ -2766,14 +3397,14 @@
       </p:grpSpPr>
       <p:sp>
         <p:nvSpPr>
-          <p:cNvPr id="83" name="CustomShape 1"/>
+          <p:cNvPr id="101" name="CustomShape 1"/>
           <p:cNvSpPr/>
           <p:nvPr/>
         </p:nvSpPr>
         <p:spPr>
           <a:xfrm>
             <a:off x="395280" y="374400"/>
-            <a:ext cx="8292240" cy="884520"/>
+            <a:ext cx="8291880" cy="884160"/>
           </a:xfrm>
           <a:prstGeom prst="rect">
             <a:avLst/>
@@ -2817,14 +3448,14 @@
       </p:sp>
       <p:sp>
         <p:nvSpPr>
-          <p:cNvPr id="84" name="CustomShape 2"/>
+          <p:cNvPr id="102" name="CustomShape 2"/>
           <p:cNvSpPr/>
           <p:nvPr/>
         </p:nvSpPr>
         <p:spPr>
           <a:xfrm>
             <a:off x="395280" y="1479960"/>
-            <a:ext cx="11487960" cy="5086800"/>
+            <a:ext cx="11487600" cy="5086440"/>
           </a:xfrm>
           <a:prstGeom prst="rect">
             <a:avLst/>
@@ -2845,160 +3476,7 @@
             <a:normAutofit/>
           </a:bodyPr>
           <a:p>
-            <a:pPr marL="228600" indent="-224640">
-              <a:lnSpc>
-                <a:spcPct val="90000"/>
-              </a:lnSpc>
-              <a:spcBef>
-                <a:spcPts val="1001"/>
-              </a:spcBef>
-              <a:buClr>
-                <a:srgbClr val="000000"/>
-              </a:buClr>
-              <a:buFont typeface="Arial"/>
-              <a:buChar char="•"/>
-            </a:pPr>
-            <a:r>
-              <a:rPr b="0" lang="pt-BR" sz="3200" spc="-1" strike="noStrike">
-                <a:solidFill>
-                  <a:srgbClr val="000000"/>
-                </a:solidFill>
-                <a:latin typeface="Calibri"/>
-                <a:ea typeface="DejaVu Sans"/>
-              </a:rPr>
-              <a:t>Texto</a:t>
-            </a:r>
-            <a:endParaRPr b="0" lang="pt-BR" sz="3200" spc="-1" strike="noStrike">
-              <a:latin typeface="Arial"/>
-            </a:endParaRPr>
-          </a:p>
-          <a:p>
-            <a:pPr>
-              <a:lnSpc>
-                <a:spcPct val="90000"/>
-              </a:lnSpc>
-              <a:spcBef>
-                <a:spcPts val="1001"/>
-              </a:spcBef>
-            </a:pPr>
-            <a:endParaRPr b="0" lang="pt-BR" sz="3200" spc="-1" strike="noStrike">
-              <a:latin typeface="Arial"/>
-            </a:endParaRPr>
-          </a:p>
-        </p:txBody>
-      </p:sp>
-    </p:spTree>
-  </p:cSld>
-  <mc:AlternateContent>
-    <mc:Choice Requires="p14">
-      <p:transition spd="slow" p14:dur="2000"/>
-    </mc:Choice>
-    <mc:Fallback>
-      <p:transition spd="slow"/>
-    </mc:Fallback>
-  </mc:AlternateContent>
-</p:sld>
-</file>
-
-<file path=ppt/slides/slide16.xml><?xml version="1.0" encoding="utf-8"?>
-<p:sld xmlns:a="http://schemas.openxmlformats.org/drawingml/2006/main" xmlns:p="http://schemas.openxmlformats.org/presentationml/2006/main" xmlns:r="http://schemas.openxmlformats.org/officeDocument/2006/relationships" xmlns:p14="http://schemas.microsoft.com/office/powerpoint/2010/main" xmlns:p15="http://schemas.microsoft.com/office/powerpoint/2012/main" xmlns:mc="http://schemas.openxmlformats.org/markup-compatibility/2006">
-  <p:cSld>
-    <p:spTree>
-      <p:nvGrpSpPr>
-        <p:cNvPr id="1" name=""/>
-        <p:cNvGrpSpPr/>
-        <p:nvPr/>
-      </p:nvGrpSpPr>
-      <p:grpSpPr>
-        <a:xfrm>
-          <a:off x="0" y="0"/>
-          <a:ext cx="0" cy="0"/>
-          <a:chOff x="0" y="0"/>
-          <a:chExt cx="0" cy="0"/>
-        </a:xfrm>
-      </p:grpSpPr>
-      <p:sp>
-        <p:nvSpPr>
-          <p:cNvPr id="85" name="CustomShape 1"/>
-          <p:cNvSpPr/>
-          <p:nvPr/>
-        </p:nvSpPr>
-        <p:spPr>
-          <a:xfrm>
-            <a:off x="395280" y="374400"/>
-            <a:ext cx="8292240" cy="884520"/>
-          </a:xfrm>
-          <a:prstGeom prst="rect">
-            <a:avLst/>
-          </a:prstGeom>
-          <a:noFill/>
-          <a:ln w="0">
-            <a:noFill/>
-          </a:ln>
-        </p:spPr>
-        <p:style>
-          <a:lnRef idx="0"/>
-          <a:fillRef idx="0"/>
-          <a:effectRef idx="0"/>
-          <a:fontRef idx="minor"/>
-        </p:style>
-        <p:txBody>
-          <a:bodyPr lIns="90000" rIns="90000" tIns="45000" bIns="45000" anchor="ctr">
-            <a:noAutofit/>
-          </a:bodyPr>
-          <a:p>
-            <a:pPr>
-              <a:lnSpc>
-                <a:spcPct val="90000"/>
-              </a:lnSpc>
-            </a:pPr>
-            <a:r>
-              <a:rPr b="0" lang="pt-BR" sz="4400" spc="-1" strike="noStrike">
-                <a:solidFill>
-                  <a:srgbClr val="000000"/>
-                </a:solidFill>
-                <a:latin typeface="Calibri Light"/>
-                <a:ea typeface="DejaVu Sans"/>
-              </a:rPr>
-              <a:t>Teste:</a:t>
-            </a:r>
-            <a:endParaRPr b="0" lang="pt-BR" sz="4400" spc="-1" strike="noStrike">
-              <a:latin typeface="Arial"/>
-            </a:endParaRPr>
-          </a:p>
-        </p:txBody>
-      </p:sp>
-      <p:sp>
-        <p:nvSpPr>
-          <p:cNvPr id="86" name="CustomShape 2"/>
-          <p:cNvSpPr/>
-          <p:nvPr/>
-        </p:nvSpPr>
-        <p:spPr>
-          <a:xfrm>
-            <a:off x="395280" y="1479960"/>
-            <a:ext cx="11487960" cy="5086800"/>
-          </a:xfrm>
-          <a:prstGeom prst="rect">
-            <a:avLst/>
-          </a:prstGeom>
-          <a:noFill/>
-          <a:ln w="0">
-            <a:noFill/>
-          </a:ln>
-        </p:spPr>
-        <p:style>
-          <a:lnRef idx="0"/>
-          <a:fillRef idx="0"/>
-          <a:effectRef idx="0"/>
-          <a:fontRef idx="minor"/>
-        </p:style>
-        <p:txBody>
-          <a:bodyPr lIns="90000" rIns="90000" tIns="45000" bIns="45000">
-            <a:normAutofit/>
-          </a:bodyPr>
-          <a:p>
-            <a:pPr marL="228600" indent="-224640">
+            <a:pPr marL="228600" indent="-224280">
               <a:lnSpc>
                 <a:spcPct val="90000"/>
               </a:lnSpc>
@@ -3078,8 +3556,8 @@
         </p:nvSpPr>
         <p:spPr>
           <a:xfrm>
-            <a:off x="395280" y="374400"/>
-            <a:ext cx="8292240" cy="884520"/>
+            <a:off x="348120" y="2520000"/>
+            <a:ext cx="4511880" cy="884160"/>
           </a:xfrm>
           <a:prstGeom prst="rect">
             <a:avLst/>
@@ -3113,7 +3591,7 @@
                 <a:latin typeface="Calibri Light"/>
                 <a:ea typeface="DejaVu Sans"/>
               </a:rPr>
-              <a:t>Teste:</a:t>
+              <a:t>Apresentação:</a:t>
             </a:r>
             <a:endParaRPr b="0" lang="pt-BR" sz="4400" spc="-1" strike="noStrike">
               <a:latin typeface="Arial"/>
@@ -3129,8 +3607,8 @@
         </p:nvSpPr>
         <p:spPr>
           <a:xfrm>
-            <a:off x="395280" y="1479960"/>
-            <a:ext cx="11487960" cy="5086800"/>
+            <a:off x="395280" y="3420000"/>
+            <a:ext cx="6084720" cy="3146400"/>
           </a:xfrm>
           <a:prstGeom prst="rect">
             <a:avLst/>
@@ -3151,28 +3629,112 @@
             <a:normAutofit/>
           </a:bodyPr>
           <a:p>
-            <a:pPr marL="228600" indent="-224640">
-              <a:lnSpc>
-                <a:spcPct val="90000"/>
-              </a:lnSpc>
-              <a:spcBef>
-                <a:spcPts val="1001"/>
-              </a:spcBef>
-              <a:buClr>
-                <a:srgbClr val="000000"/>
-              </a:buClr>
-              <a:buFont typeface="Arial"/>
-              <a:buChar char="•"/>
-            </a:pPr>
-            <a:r>
-              <a:rPr b="0" lang="pt-BR" sz="3200" spc="-1" strike="noStrike">
-                <a:solidFill>
-                  <a:srgbClr val="000000"/>
-                </a:solidFill>
-                <a:latin typeface="Calibri"/>
-                <a:ea typeface="DejaVu Sans"/>
-              </a:rPr>
-              <a:t>Texto</a:t>
+            <a:pPr marL="228600" indent="-224280">
+              <a:lnSpc>
+                <a:spcPct val="90000"/>
+              </a:lnSpc>
+              <a:spcBef>
+                <a:spcPts val="1001"/>
+              </a:spcBef>
+              <a:buClr>
+                <a:srgbClr val="000000"/>
+              </a:buClr>
+              <a:buFont typeface="Arial"/>
+              <a:buChar char="•"/>
+            </a:pPr>
+            <a:r>
+              <a:rPr b="0" lang="pt-BR" sz="3200" spc="-1" strike="noStrike">
+                <a:solidFill>
+                  <a:srgbClr val="000000"/>
+                </a:solidFill>
+                <a:latin typeface="Calibri"/>
+                <a:ea typeface="DejaVu Sans"/>
+              </a:rPr>
+              <a:t>Já vamos criar a secção pra não ter trabalho depois.</a:t>
+            </a:r>
+            <a:endParaRPr b="0" lang="pt-BR" sz="3200" spc="-1" strike="noStrike">
+              <a:latin typeface="Arial"/>
+            </a:endParaRPr>
+          </a:p>
+          <a:p>
+            <a:pPr marL="228600" indent="-224280">
+              <a:lnSpc>
+                <a:spcPct val="90000"/>
+              </a:lnSpc>
+              <a:spcBef>
+                <a:spcPts val="1001"/>
+              </a:spcBef>
+              <a:buClr>
+                <a:srgbClr val="000000"/>
+              </a:buClr>
+              <a:buFont typeface="Arial"/>
+              <a:buChar char="•"/>
+            </a:pPr>
+            <a:r>
+              <a:rPr b="0" lang="pt-BR" sz="3200" spc="-1" strike="noStrike">
+                <a:solidFill>
+                  <a:srgbClr val="000000"/>
+                </a:solidFill>
+                <a:latin typeface="Calibri"/>
+                <a:ea typeface="DejaVu Sans"/>
+              </a:rPr>
+              <a:t> </a:t>
+            </a:r>
+            <a:endParaRPr b="0" lang="pt-BR" sz="3200" spc="-1" strike="noStrike">
+              <a:latin typeface="Arial"/>
+            </a:endParaRPr>
+          </a:p>
+          <a:p>
+            <a:pPr marL="228600" indent="-224280">
+              <a:lnSpc>
+                <a:spcPct val="90000"/>
+              </a:lnSpc>
+              <a:spcBef>
+                <a:spcPts val="1001"/>
+              </a:spcBef>
+              <a:buClr>
+                <a:srgbClr val="000000"/>
+              </a:buClr>
+              <a:buFont typeface="Arial"/>
+              <a:buChar char="•"/>
+            </a:pPr>
+            <a:r>
+              <a:rPr b="0" lang="pt-BR" sz="3200" spc="-1" strike="noStrike">
+                <a:solidFill>
+                  <a:srgbClr val="000000"/>
+                </a:solidFill>
+                <a:latin typeface="Calibri"/>
+                <a:ea typeface="DejaVu Sans"/>
+              </a:rPr>
+              <a:t>Relacionar o CSS.</a:t>
+            </a:r>
+            <a:endParaRPr b="0" lang="pt-BR" sz="3200" spc="-1" strike="noStrike">
+              <a:latin typeface="Arial"/>
+            </a:endParaRPr>
+          </a:p>
+          <a:p>
+            <a:pPr marL="228600" indent="-224280">
+              <a:lnSpc>
+                <a:spcPct val="90000"/>
+              </a:lnSpc>
+              <a:spcBef>
+                <a:spcPts val="1001"/>
+              </a:spcBef>
+              <a:buClr>
+                <a:srgbClr val="000000"/>
+              </a:buClr>
+              <a:buFont typeface="Arial"/>
+              <a:buChar char="•"/>
+            </a:pPr>
+            <a:r>
+              <a:rPr b="0" lang="pt-BR" sz="3200" spc="-1" strike="noStrike">
+                <a:solidFill>
+                  <a:srgbClr val="000000"/>
+                </a:solidFill>
+                <a:latin typeface="Calibri"/>
+                <a:ea typeface="DejaVu Sans"/>
+              </a:rPr>
+              <a:t>E criar nossas variáveis e base.</a:t>
             </a:r>
             <a:endParaRPr b="0" lang="pt-BR" sz="3200" spc="-1" strike="noStrike">
               <a:latin typeface="Arial"/>
@@ -3205,8 +3767,8 @@
         </p:blipFill>
         <p:spPr>
           <a:xfrm>
-            <a:off x="5760000" y="1965600"/>
-            <a:ext cx="5940000" cy="734400"/>
+            <a:off x="5762160" y="2340000"/>
+            <a:ext cx="5939640" cy="734040"/>
           </a:xfrm>
           <a:prstGeom prst="rect">
             <a:avLst/>
@@ -3228,8 +3790,8 @@
         </p:blipFill>
         <p:spPr>
           <a:xfrm>
-            <a:off x="6300000" y="2792160"/>
-            <a:ext cx="5402160" cy="3687840"/>
+            <a:off x="6840000" y="3160800"/>
+            <a:ext cx="4861800" cy="3318840"/>
           </a:xfrm>
           <a:prstGeom prst="rect">
             <a:avLst/>
@@ -3251,8 +3813,8 @@
         </p:blipFill>
         <p:spPr>
           <a:xfrm>
-            <a:off x="2340000" y="399240"/>
-            <a:ext cx="9540000" cy="1305360"/>
+            <a:off x="900000" y="284400"/>
+            <a:ext cx="10911240" cy="1967760"/>
           </a:xfrm>
           <a:prstGeom prst="rect">
             <a:avLst/>
@@ -3301,7 +3863,7 @@
         <p:spPr>
           <a:xfrm>
             <a:off x="395280" y="374400"/>
-            <a:ext cx="8292240" cy="884520"/>
+            <a:ext cx="8291880" cy="884160"/>
           </a:xfrm>
           <a:prstGeom prst="rect">
             <a:avLst/>
@@ -3352,7 +3914,7 @@
         <p:spPr>
           <a:xfrm>
             <a:off x="395280" y="1479960"/>
-            <a:ext cx="11487960" cy="5086800"/>
+            <a:ext cx="11487600" cy="5086440"/>
           </a:xfrm>
           <a:prstGeom prst="rect">
             <a:avLst/>
@@ -3373,7 +3935,7 @@
             <a:normAutofit/>
           </a:bodyPr>
           <a:p>
-            <a:pPr marL="228600" indent="-224640">
+            <a:pPr marL="228600" indent="-224280">
               <a:lnSpc>
                 <a:spcPct val="90000"/>
               </a:lnSpc>
@@ -3401,7 +3963,7 @@
             </a:endParaRPr>
           </a:p>
           <a:p>
-            <a:pPr marL="228600" indent="-224640">
+            <a:pPr marL="228600" indent="-224280">
               <a:lnSpc>
                 <a:spcPct val="90000"/>
               </a:lnSpc>
@@ -3429,7 +3991,7 @@
             </a:endParaRPr>
           </a:p>
           <a:p>
-            <a:pPr marL="228600" indent="-224640">
+            <a:pPr marL="228600" indent="-224280">
               <a:lnSpc>
                 <a:spcPct val="90000"/>
               </a:lnSpc>
@@ -3457,7 +4019,7 @@
             </a:endParaRPr>
           </a:p>
           <a:p>
-            <a:pPr marL="228600" indent="-224640">
+            <a:pPr marL="228600" indent="-224280">
               <a:lnSpc>
                 <a:spcPct val="90000"/>
               </a:lnSpc>
@@ -3512,7 +4074,7 @@
         <p:spPr>
           <a:xfrm>
             <a:off x="9540000" y="180000"/>
-            <a:ext cx="2416320" cy="815760"/>
+            <a:ext cx="2415960" cy="815400"/>
           </a:xfrm>
           <a:prstGeom prst="rect">
             <a:avLst/>
@@ -3535,7 +4097,7 @@
         <p:spPr>
           <a:xfrm>
             <a:off x="7354080" y="884160"/>
-            <a:ext cx="3085200" cy="1275120"/>
+            <a:ext cx="3084840" cy="1274760"/>
           </a:xfrm>
           <a:prstGeom prst="rect">
             <a:avLst/>
@@ -3558,7 +4120,7 @@
         <p:spPr>
           <a:xfrm>
             <a:off x="10538280" y="963000"/>
-            <a:ext cx="1161000" cy="656280"/>
+            <a:ext cx="1160640" cy="655920"/>
           </a:xfrm>
           <a:prstGeom prst="rect">
             <a:avLst/>
@@ -3581,7 +4143,7 @@
         <p:spPr>
           <a:xfrm>
             <a:off x="5515200" y="2340000"/>
-            <a:ext cx="3304080" cy="722880"/>
+            <a:ext cx="3303720" cy="722520"/>
           </a:xfrm>
           <a:prstGeom prst="rect">
             <a:avLst/>
@@ -3604,7 +4166,7 @@
         <p:spPr>
           <a:xfrm>
             <a:off x="8820000" y="2175840"/>
-            <a:ext cx="3075480" cy="1379880"/>
+            <a:ext cx="3075120" cy="1379520"/>
           </a:xfrm>
           <a:prstGeom prst="rect">
             <a:avLst/>
@@ -3627,7 +4189,7 @@
         <p:spPr>
           <a:xfrm>
             <a:off x="540000" y="3648600"/>
-            <a:ext cx="11339280" cy="1557000"/>
+            <a:ext cx="11338920" cy="1556640"/>
           </a:xfrm>
           <a:prstGeom prst="rect">
             <a:avLst/>
@@ -3650,7 +4212,7 @@
         <p:spPr>
           <a:xfrm>
             <a:off x="540000" y="5190840"/>
-            <a:ext cx="11331360" cy="1375920"/>
+            <a:ext cx="11331000" cy="1375560"/>
           </a:xfrm>
           <a:prstGeom prst="rect">
             <a:avLst/>
@@ -3699,7 +4261,7 @@
         <p:spPr>
           <a:xfrm>
             <a:off x="395280" y="374400"/>
-            <a:ext cx="8292240" cy="884520"/>
+            <a:ext cx="8291880" cy="884160"/>
           </a:xfrm>
           <a:prstGeom prst="rect">
             <a:avLst/>
@@ -3750,7 +4312,7 @@
         <p:spPr>
           <a:xfrm>
             <a:off x="395280" y="1479960"/>
-            <a:ext cx="11487960" cy="5086800"/>
+            <a:ext cx="11487600" cy="5086440"/>
           </a:xfrm>
           <a:prstGeom prst="rect">
             <a:avLst/>
@@ -3771,7 +4333,7 @@
             <a:normAutofit/>
           </a:bodyPr>
           <a:p>
-            <a:pPr marL="228600" indent="-224640">
+            <a:pPr marL="228600" indent="-224280">
               <a:lnSpc>
                 <a:spcPct val="90000"/>
               </a:lnSpc>
@@ -3799,7 +4361,7 @@
             </a:endParaRPr>
           </a:p>
           <a:p>
-            <a:pPr marL="228600" indent="-224640">
+            <a:pPr marL="228600" indent="-224280">
               <a:lnSpc>
                 <a:spcPct val="90000"/>
               </a:lnSpc>
@@ -3827,7 +4389,7 @@
             </a:endParaRPr>
           </a:p>
           <a:p>
-            <a:pPr marL="228600" indent="-224640">
+            <a:pPr marL="228600" indent="-224280">
               <a:lnSpc>
                 <a:spcPct val="90000"/>
               </a:lnSpc>
@@ -3855,7 +4417,7 @@
             </a:endParaRPr>
           </a:p>
           <a:p>
-            <a:pPr marL="228600" indent="-224640">
+            <a:pPr marL="228600" indent="-224280">
               <a:lnSpc>
                 <a:spcPct val="90000"/>
               </a:lnSpc>
@@ -3883,7 +4445,7 @@
             </a:endParaRPr>
           </a:p>
           <a:p>
-            <a:pPr marL="228600" indent="-224640">
+            <a:pPr marL="228600" indent="-224280">
               <a:lnSpc>
                 <a:spcPct val="90000"/>
               </a:lnSpc>
@@ -3911,7 +4473,7 @@
             </a:endParaRPr>
           </a:p>
           <a:p>
-            <a:pPr marL="228600" indent="-224640">
+            <a:pPr marL="228600" indent="-224280">
               <a:lnSpc>
                 <a:spcPct val="90000"/>
               </a:lnSpc>
@@ -3939,7 +4501,7 @@
             </a:endParaRPr>
           </a:p>
           <a:p>
-            <a:pPr marL="228600" indent="-224640">
+            <a:pPr marL="228600" indent="-224280">
               <a:lnSpc>
                 <a:spcPct val="90000"/>
               </a:lnSpc>
@@ -3967,7 +4529,7 @@
             </a:endParaRPr>
           </a:p>
           <a:p>
-            <a:pPr marL="228600" indent="-224640">
+            <a:pPr marL="228600" indent="-224280">
               <a:lnSpc>
                 <a:spcPct val="90000"/>
               </a:lnSpc>
@@ -4022,7 +4584,7 @@
         <p:spPr>
           <a:xfrm>
             <a:off x="7324200" y="494280"/>
-            <a:ext cx="4375800" cy="2025720"/>
+            <a:ext cx="4375440" cy="2025360"/>
           </a:xfrm>
           <a:prstGeom prst="rect">
             <a:avLst/>
@@ -4045,7 +4607,7 @@
         <p:spPr>
           <a:xfrm>
             <a:off x="6159600" y="3060000"/>
-            <a:ext cx="5540400" cy="1260000"/>
+            <a:ext cx="5540040" cy="1259640"/>
           </a:xfrm>
           <a:prstGeom prst="rect">
             <a:avLst/>
@@ -4068,7 +4630,7 @@
         <p:spPr>
           <a:xfrm>
             <a:off x="7200000" y="4449240"/>
-            <a:ext cx="4469400" cy="2095200"/>
+            <a:ext cx="4469040" cy="2094840"/>
           </a:xfrm>
           <a:prstGeom prst="rect">
             <a:avLst/>
@@ -4117,7 +4679,7 @@
         <p:spPr>
           <a:xfrm>
             <a:off x="395280" y="374400"/>
-            <a:ext cx="8292240" cy="884520"/>
+            <a:ext cx="8291880" cy="884160"/>
           </a:xfrm>
           <a:prstGeom prst="rect">
             <a:avLst/>
@@ -4151,7 +4713,7 @@
                 <a:latin typeface="Calibri Light"/>
                 <a:ea typeface="DejaVu Sans"/>
               </a:rPr>
-              <a:t>Teste:</a:t>
+              <a:t>Novas DIVS:</a:t>
             </a:r>
             <a:endParaRPr b="0" lang="pt-BR" sz="4400" spc="-1" strike="noStrike">
               <a:latin typeface="Arial"/>
@@ -4168,7 +4730,7 @@
         <p:spPr>
           <a:xfrm>
             <a:off x="395280" y="1479960"/>
-            <a:ext cx="11487960" cy="5086800"/>
+            <a:ext cx="11487600" cy="5086440"/>
           </a:xfrm>
           <a:prstGeom prst="rect">
             <a:avLst/>
@@ -4189,28 +4751,252 @@
             <a:normAutofit/>
           </a:bodyPr>
           <a:p>
-            <a:pPr marL="228600" indent="-224640">
-              <a:lnSpc>
-                <a:spcPct val="90000"/>
-              </a:lnSpc>
-              <a:spcBef>
-                <a:spcPts val="1001"/>
-              </a:spcBef>
-              <a:buClr>
-                <a:srgbClr val="000000"/>
-              </a:buClr>
-              <a:buFont typeface="Arial"/>
-              <a:buChar char="•"/>
-            </a:pPr>
-            <a:r>
-              <a:rPr b="0" lang="pt-BR" sz="3200" spc="-1" strike="noStrike">
-                <a:solidFill>
-                  <a:srgbClr val="000000"/>
-                </a:solidFill>
-                <a:latin typeface="Calibri"/>
-                <a:ea typeface="DejaVu Sans"/>
-              </a:rPr>
-              <a:t>Texto</a:t>
+            <a:pPr marL="228600" indent="-224280">
+              <a:lnSpc>
+                <a:spcPct val="90000"/>
+              </a:lnSpc>
+              <a:spcBef>
+                <a:spcPts val="1001"/>
+              </a:spcBef>
+              <a:buClr>
+                <a:srgbClr val="000000"/>
+              </a:buClr>
+              <a:buFont typeface="Arial"/>
+              <a:buChar char="•"/>
+            </a:pPr>
+            <a:r>
+              <a:rPr b="0" lang="pt-BR" sz="3200" spc="-1" strike="noStrike">
+                <a:solidFill>
+                  <a:srgbClr val="000000"/>
+                </a:solidFill>
+                <a:latin typeface="Calibri"/>
+                <a:ea typeface="DejaVu Sans"/>
+              </a:rPr>
+              <a:t>Vamos criar uma div para a nossa senha.</a:t>
+            </a:r>
+            <a:endParaRPr b="0" lang="pt-BR" sz="3200" spc="-1" strike="noStrike">
+              <a:latin typeface="Arial"/>
+            </a:endParaRPr>
+          </a:p>
+          <a:p>
+            <a:pPr marL="228600" indent="-224280">
+              <a:lnSpc>
+                <a:spcPct val="90000"/>
+              </a:lnSpc>
+              <a:spcBef>
+                <a:spcPts val="1001"/>
+              </a:spcBef>
+              <a:buClr>
+                <a:srgbClr val="000000"/>
+              </a:buClr>
+              <a:buFont typeface="Arial"/>
+              <a:buChar char="•"/>
+            </a:pPr>
+            <a:r>
+              <a:rPr b="0" lang="pt-BR" sz="3200" spc="-1" strike="noStrike">
+                <a:solidFill>
+                  <a:srgbClr val="000000"/>
+                </a:solidFill>
+                <a:latin typeface="Calibri"/>
+                <a:ea typeface="DejaVu Sans"/>
+              </a:rPr>
+              <a:t> </a:t>
+            </a:r>
+            <a:endParaRPr b="0" lang="pt-BR" sz="3200" spc="-1" strike="noStrike">
+              <a:latin typeface="Arial"/>
+            </a:endParaRPr>
+          </a:p>
+          <a:p>
+            <a:pPr marL="228600" indent="-224280">
+              <a:lnSpc>
+                <a:spcPct val="90000"/>
+              </a:lnSpc>
+              <a:spcBef>
+                <a:spcPts val="1001"/>
+              </a:spcBef>
+              <a:buClr>
+                <a:srgbClr val="000000"/>
+              </a:buClr>
+              <a:buFont typeface="Arial"/>
+              <a:buChar char="•"/>
+            </a:pPr>
+            <a:r>
+              <a:rPr b="0" lang="pt-BR" sz="3200" spc="-1" strike="noStrike">
+                <a:solidFill>
+                  <a:srgbClr val="000000"/>
+                </a:solidFill>
+                <a:latin typeface="Calibri"/>
+                <a:ea typeface="DejaVu Sans"/>
+              </a:rPr>
+              <a:t> </a:t>
+            </a:r>
+            <a:endParaRPr b="0" lang="pt-BR" sz="3200" spc="-1" strike="noStrike">
+              <a:latin typeface="Arial"/>
+            </a:endParaRPr>
+          </a:p>
+          <a:p>
+            <a:pPr marL="228600" indent="-224280">
+              <a:lnSpc>
+                <a:spcPct val="90000"/>
+              </a:lnSpc>
+              <a:spcBef>
+                <a:spcPts val="1001"/>
+              </a:spcBef>
+              <a:buClr>
+                <a:srgbClr val="000000"/>
+              </a:buClr>
+              <a:buFont typeface="Arial"/>
+              <a:buChar char="•"/>
+            </a:pPr>
+            <a:r>
+              <a:rPr b="0" lang="pt-BR" sz="3200" spc="-1" strike="noStrike">
+                <a:solidFill>
+                  <a:srgbClr val="000000"/>
+                </a:solidFill>
+                <a:latin typeface="Calibri"/>
+                <a:ea typeface="DejaVu Sans"/>
+              </a:rPr>
+              <a:t> </a:t>
+            </a:r>
+            <a:endParaRPr b="0" lang="pt-BR" sz="3200" spc="-1" strike="noStrike">
+              <a:latin typeface="Arial"/>
+            </a:endParaRPr>
+          </a:p>
+          <a:p>
+            <a:pPr marL="228600" indent="-224280">
+              <a:lnSpc>
+                <a:spcPct val="90000"/>
+              </a:lnSpc>
+              <a:spcBef>
+                <a:spcPts val="1001"/>
+              </a:spcBef>
+              <a:buClr>
+                <a:srgbClr val="000000"/>
+              </a:buClr>
+              <a:buFont typeface="Arial"/>
+              <a:buChar char="•"/>
+            </a:pPr>
+            <a:r>
+              <a:rPr b="0" lang="pt-BR" sz="3200" spc="-1" strike="noStrike">
+                <a:solidFill>
+                  <a:srgbClr val="000000"/>
+                </a:solidFill>
+                <a:latin typeface="Calibri"/>
+                <a:ea typeface="DejaVu Sans"/>
+              </a:rPr>
+              <a:t>E vamos deixar </a:t>
+            </a:r>
+            <a:endParaRPr b="0" lang="pt-BR" sz="3200" spc="-1" strike="noStrike">
+              <a:latin typeface="Arial"/>
+            </a:endParaRPr>
+          </a:p>
+          <a:p>
+            <a:pPr marL="228600" indent="-224280">
+              <a:lnSpc>
+                <a:spcPct val="90000"/>
+              </a:lnSpc>
+              <a:spcBef>
+                <a:spcPts val="1001"/>
+              </a:spcBef>
+              <a:buClr>
+                <a:srgbClr val="000000"/>
+              </a:buClr>
+              <a:buFont typeface="Arial"/>
+              <a:buChar char="•"/>
+            </a:pPr>
+            <a:r>
+              <a:rPr b="0" lang="pt-BR" sz="3200" spc="-1" strike="noStrike">
+                <a:solidFill>
+                  <a:srgbClr val="000000"/>
+                </a:solidFill>
+                <a:latin typeface="Calibri"/>
+                <a:ea typeface="DejaVu Sans"/>
+              </a:rPr>
+              <a:t>tudo pronto </a:t>
+            </a:r>
+            <a:endParaRPr b="0" lang="pt-BR" sz="3200" spc="-1" strike="noStrike">
+              <a:latin typeface="Arial"/>
+            </a:endParaRPr>
+          </a:p>
+          <a:p>
+            <a:pPr marL="228600" indent="-224280">
+              <a:lnSpc>
+                <a:spcPct val="90000"/>
+              </a:lnSpc>
+              <a:spcBef>
+                <a:spcPts val="1001"/>
+              </a:spcBef>
+              <a:buClr>
+                <a:srgbClr val="000000"/>
+              </a:buClr>
+              <a:buFont typeface="Arial"/>
+              <a:buChar char="•"/>
+            </a:pPr>
+            <a:r>
+              <a:rPr b="0" lang="pt-BR" sz="3200" spc="-1" strike="noStrike">
+                <a:solidFill>
+                  <a:srgbClr val="000000"/>
+                </a:solidFill>
+                <a:latin typeface="Calibri"/>
+                <a:ea typeface="DejaVu Sans"/>
+              </a:rPr>
+              <a:t>para usar o </a:t>
+            </a:r>
+            <a:endParaRPr b="0" lang="pt-BR" sz="3200" spc="-1" strike="noStrike">
+              <a:latin typeface="Arial"/>
+            </a:endParaRPr>
+          </a:p>
+          <a:p>
+            <a:pPr marL="228600" indent="-224280">
+              <a:lnSpc>
+                <a:spcPct val="90000"/>
+              </a:lnSpc>
+              <a:spcBef>
+                <a:spcPts val="1001"/>
+              </a:spcBef>
+              <a:buClr>
+                <a:srgbClr val="000000"/>
+              </a:buClr>
+              <a:buFont typeface="Arial"/>
+              <a:buChar char="•"/>
+            </a:pPr>
+            <a:r>
+              <a:rPr b="0" lang="pt-BR" sz="3200" spc="-1" strike="noStrike">
+                <a:solidFill>
+                  <a:srgbClr val="000000"/>
+                </a:solidFill>
+                <a:latin typeface="Calibri"/>
+                <a:ea typeface="DejaVu Sans"/>
+              </a:rPr>
+              <a:t>javascript e as </a:t>
+            </a:r>
+            <a:endParaRPr b="0" lang="pt-BR" sz="3200" spc="-1" strike="noStrike">
+              <a:latin typeface="Arial"/>
+            </a:endParaRPr>
+          </a:p>
+          <a:p>
+            <a:pPr marL="228600" indent="-224280">
+              <a:lnSpc>
+                <a:spcPct val="90000"/>
+              </a:lnSpc>
+              <a:spcBef>
+                <a:spcPts val="1001"/>
+              </a:spcBef>
+              <a:buClr>
+                <a:srgbClr val="000000"/>
+              </a:buClr>
+              <a:buFont typeface="Arial"/>
+              <a:buChar char="•"/>
+            </a:pPr>
+            <a:r>
+              <a:rPr b="0" lang="pt-BR" sz="3200" spc="-1" strike="noStrike">
+                <a:solidFill>
+                  <a:srgbClr val="000000"/>
+                </a:solidFill>
+                <a:latin typeface="Calibri"/>
+                <a:ea typeface="DejaVu Sans"/>
+              </a:rPr>
+              <a:t>classes depois.</a:t>
             </a:r>
             <a:endParaRPr b="0" lang="pt-BR" sz="3200" spc="-1" strike="noStrike">
               <a:latin typeface="Arial"/>
@@ -4243,8 +5029,8 @@
         </p:blipFill>
         <p:spPr>
           <a:xfrm>
-            <a:off x="2160000" y="419400"/>
-            <a:ext cx="9540000" cy="1920600"/>
+            <a:off x="2160360" y="1980000"/>
+            <a:ext cx="9539640" cy="1920240"/>
           </a:xfrm>
           <a:prstGeom prst="rect">
             <a:avLst/>
@@ -4266,8 +5052,31 @@
         </p:blipFill>
         <p:spPr>
           <a:xfrm>
-            <a:off x="3240000" y="2801160"/>
-            <a:ext cx="8410320" cy="2418840"/>
+            <a:off x="3290040" y="4061520"/>
+            <a:ext cx="8409960" cy="2418480"/>
+          </a:xfrm>
+          <a:prstGeom prst="rect">
+            <a:avLst/>
+          </a:prstGeom>
+          <a:ln w="0">
+            <a:noFill/>
+          </a:ln>
+        </p:spPr>
+      </p:pic>
+      <p:pic>
+        <p:nvPicPr>
+          <p:cNvPr id="65" name="" descr=""/>
+          <p:cNvPicPr/>
+          <p:nvPr/>
+        </p:nvPicPr>
+        <p:blipFill>
+          <a:blip r:embed="rId3"/>
+          <a:stretch/>
+        </p:blipFill>
+        <p:spPr>
+          <a:xfrm>
+            <a:off x="7740000" y="540000"/>
+            <a:ext cx="3996360" cy="1266120"/>
           </a:xfrm>
           <a:prstGeom prst="rect">
             <a:avLst/>
@@ -4309,14 +5118,14 @@
       </p:grpSpPr>
       <p:sp>
         <p:nvSpPr>
-          <p:cNvPr id="65" name="CustomShape 1"/>
+          <p:cNvPr id="66" name="CustomShape 1"/>
           <p:cNvSpPr/>
           <p:nvPr/>
         </p:nvSpPr>
         <p:spPr>
           <a:xfrm>
             <a:off x="395280" y="374400"/>
-            <a:ext cx="8292240" cy="884520"/>
+            <a:ext cx="8291880" cy="884160"/>
           </a:xfrm>
           <a:prstGeom prst="rect">
             <a:avLst/>
@@ -4350,7 +5159,7 @@
                 <a:latin typeface="Calibri Light"/>
                 <a:ea typeface="DejaVu Sans"/>
               </a:rPr>
-              <a:t>Teste:</a:t>
+              <a:t>Campo-senha:</a:t>
             </a:r>
             <a:endParaRPr b="0" lang="pt-BR" sz="4400" spc="-1" strike="noStrike">
               <a:latin typeface="Arial"/>
@@ -4360,14 +5169,14 @@
       </p:sp>
       <p:sp>
         <p:nvSpPr>
-          <p:cNvPr id="66" name="CustomShape 2"/>
+          <p:cNvPr id="67" name="CustomShape 2"/>
           <p:cNvSpPr/>
           <p:nvPr/>
         </p:nvSpPr>
         <p:spPr>
           <a:xfrm>
             <a:off x="395280" y="1479960"/>
-            <a:ext cx="11487960" cy="5086800"/>
+            <a:ext cx="11487600" cy="5086440"/>
           </a:xfrm>
           <a:prstGeom prst="rect">
             <a:avLst/>
@@ -4388,28 +5197,224 @@
             <a:normAutofit/>
           </a:bodyPr>
           <a:p>
-            <a:pPr marL="228600" indent="-224640">
-              <a:lnSpc>
-                <a:spcPct val="90000"/>
-              </a:lnSpc>
-              <a:spcBef>
-                <a:spcPts val="1001"/>
-              </a:spcBef>
-              <a:buClr>
-                <a:srgbClr val="000000"/>
-              </a:buClr>
-              <a:buFont typeface="Arial"/>
-              <a:buChar char="•"/>
-            </a:pPr>
-            <a:r>
-              <a:rPr b="0" lang="pt-BR" sz="3200" spc="-1" strike="noStrike">
-                <a:solidFill>
-                  <a:srgbClr val="000000"/>
-                </a:solidFill>
-                <a:latin typeface="Calibri"/>
-                <a:ea typeface="DejaVu Sans"/>
-              </a:rPr>
-              <a:t>Texto</a:t>
+            <a:pPr marL="228600" indent="-224280">
+              <a:lnSpc>
+                <a:spcPct val="90000"/>
+              </a:lnSpc>
+              <a:spcBef>
+                <a:spcPts val="1001"/>
+              </a:spcBef>
+              <a:buClr>
+                <a:srgbClr val="000000"/>
+              </a:buClr>
+              <a:buFont typeface="Arial"/>
+              <a:buChar char="•"/>
+            </a:pPr>
+            <a:r>
+              <a:rPr b="0" lang="pt-BR" sz="3200" spc="-1" strike="noStrike">
+                <a:solidFill>
+                  <a:srgbClr val="000000"/>
+                </a:solidFill>
+                <a:latin typeface="Calibri"/>
+                <a:ea typeface="DejaVu Sans"/>
+              </a:rPr>
+              <a:t>Agora ajeitamos o campo de </a:t>
+            </a:r>
+            <a:endParaRPr b="0" lang="pt-BR" sz="3200" spc="-1" strike="noStrike">
+              <a:latin typeface="Arial"/>
+            </a:endParaRPr>
+          </a:p>
+          <a:p>
+            <a:pPr marL="228600" indent="-224280">
+              <a:lnSpc>
+                <a:spcPct val="90000"/>
+              </a:lnSpc>
+              <a:spcBef>
+                <a:spcPts val="1001"/>
+              </a:spcBef>
+              <a:buClr>
+                <a:srgbClr val="000000"/>
+              </a:buClr>
+              <a:buFont typeface="Arial"/>
+              <a:buChar char="•"/>
+            </a:pPr>
+            <a:r>
+              <a:rPr b="0" lang="pt-BR" sz="3200" spc="-1" strike="noStrike">
+                <a:solidFill>
+                  <a:srgbClr val="000000"/>
+                </a:solidFill>
+                <a:latin typeface="Calibri"/>
+                <a:ea typeface="DejaVu Sans"/>
+              </a:rPr>
+              <a:t>senha para que fique mais </a:t>
+            </a:r>
+            <a:endParaRPr b="0" lang="pt-BR" sz="3200" spc="-1" strike="noStrike">
+              <a:latin typeface="Arial"/>
+            </a:endParaRPr>
+          </a:p>
+          <a:p>
+            <a:pPr marL="228600" indent="-224280">
+              <a:lnSpc>
+                <a:spcPct val="90000"/>
+              </a:lnSpc>
+              <a:spcBef>
+                <a:spcPts val="1001"/>
+              </a:spcBef>
+              <a:buClr>
+                <a:srgbClr val="000000"/>
+              </a:buClr>
+              <a:buFont typeface="Arial"/>
+              <a:buChar char="•"/>
+            </a:pPr>
+            <a:r>
+              <a:rPr b="0" lang="pt-BR" sz="3200" spc="-1" strike="noStrike">
+                <a:solidFill>
+                  <a:srgbClr val="000000"/>
+                </a:solidFill>
+                <a:latin typeface="Calibri"/>
+                <a:ea typeface="DejaVu Sans"/>
+              </a:rPr>
+              <a:t>Profissional.</a:t>
+            </a:r>
+            <a:endParaRPr b="0" lang="pt-BR" sz="3200" spc="-1" strike="noStrike">
+              <a:latin typeface="Arial"/>
+            </a:endParaRPr>
+          </a:p>
+          <a:p>
+            <a:pPr marL="228600" indent="-224280">
+              <a:lnSpc>
+                <a:spcPct val="90000"/>
+              </a:lnSpc>
+              <a:spcBef>
+                <a:spcPts val="1001"/>
+              </a:spcBef>
+              <a:buClr>
+                <a:srgbClr val="000000"/>
+              </a:buClr>
+              <a:buFont typeface="Arial"/>
+              <a:buChar char="•"/>
+            </a:pPr>
+            <a:r>
+              <a:rPr b="0" lang="pt-BR" sz="3200" spc="-1" strike="noStrike">
+                <a:solidFill>
+                  <a:srgbClr val="000000"/>
+                </a:solidFill>
+                <a:latin typeface="Calibri"/>
+                <a:ea typeface="DejaVu Sans"/>
+              </a:rPr>
+              <a:t> </a:t>
+            </a:r>
+            <a:endParaRPr b="0" lang="pt-BR" sz="3200" spc="-1" strike="noStrike">
+              <a:latin typeface="Arial"/>
+            </a:endParaRPr>
+          </a:p>
+          <a:p>
+            <a:pPr marL="228600" indent="-224280">
+              <a:lnSpc>
+                <a:spcPct val="90000"/>
+              </a:lnSpc>
+              <a:spcBef>
+                <a:spcPts val="1001"/>
+              </a:spcBef>
+              <a:buClr>
+                <a:srgbClr val="000000"/>
+              </a:buClr>
+              <a:buFont typeface="Arial"/>
+              <a:buChar char="•"/>
+            </a:pPr>
+            <a:r>
+              <a:rPr b="0" lang="pt-BR" sz="3200" spc="-1" strike="noStrike">
+                <a:solidFill>
+                  <a:srgbClr val="000000"/>
+                </a:solidFill>
+                <a:latin typeface="Calibri"/>
+                <a:ea typeface="DejaVu Sans"/>
+              </a:rPr>
+              <a:t>Vamos já dizer </a:t>
+            </a:r>
+            <a:endParaRPr b="0" lang="pt-BR" sz="3200" spc="-1" strike="noStrike">
+              <a:latin typeface="Arial"/>
+            </a:endParaRPr>
+          </a:p>
+          <a:p>
+            <a:pPr marL="228600" indent="-224280">
+              <a:lnSpc>
+                <a:spcPct val="90000"/>
+              </a:lnSpc>
+              <a:spcBef>
+                <a:spcPts val="1001"/>
+              </a:spcBef>
+              <a:buClr>
+                <a:srgbClr val="000000"/>
+              </a:buClr>
+              <a:buFont typeface="Arial"/>
+              <a:buChar char="•"/>
+            </a:pPr>
+            <a:r>
+              <a:rPr b="0" lang="pt-BR" sz="3200" spc="-1" strike="noStrike">
+                <a:solidFill>
+                  <a:srgbClr val="000000"/>
+                </a:solidFill>
+                <a:latin typeface="Calibri"/>
+                <a:ea typeface="DejaVu Sans"/>
+              </a:rPr>
+              <a:t>quanto da página </a:t>
+            </a:r>
+            <a:endParaRPr b="0" lang="pt-BR" sz="3200" spc="-1" strike="noStrike">
+              <a:latin typeface="Arial"/>
+            </a:endParaRPr>
+          </a:p>
+          <a:p>
+            <a:pPr marL="228600" indent="-224280">
+              <a:lnSpc>
+                <a:spcPct val="90000"/>
+              </a:lnSpc>
+              <a:spcBef>
+                <a:spcPts val="1001"/>
+              </a:spcBef>
+              <a:buClr>
+                <a:srgbClr val="000000"/>
+              </a:buClr>
+              <a:buFont typeface="Arial"/>
+              <a:buChar char="•"/>
+            </a:pPr>
+            <a:r>
+              <a:rPr b="0" lang="pt-BR" sz="3200" spc="-1" strike="noStrike">
+                <a:solidFill>
+                  <a:srgbClr val="000000"/>
+                </a:solidFill>
+                <a:latin typeface="Calibri"/>
+                <a:ea typeface="DejaVu Sans"/>
+              </a:rPr>
+              <a:t>ele ocupa como </a:t>
+            </a:r>
+            <a:endParaRPr b="0" lang="pt-BR" sz="3200" spc="-1" strike="noStrike">
+              <a:latin typeface="Arial"/>
+            </a:endParaRPr>
+          </a:p>
+          <a:p>
+            <a:pPr marL="228600" indent="-224280">
+              <a:lnSpc>
+                <a:spcPct val="90000"/>
+              </a:lnSpc>
+              <a:spcBef>
+                <a:spcPts val="1001"/>
+              </a:spcBef>
+              <a:buClr>
+                <a:srgbClr val="000000"/>
+              </a:buClr>
+              <a:buFont typeface="Arial"/>
+              <a:buChar char="•"/>
+            </a:pPr>
+            <a:r>
+              <a:rPr b="0" lang="pt-BR" sz="3200" spc="-1" strike="noStrike">
+                <a:solidFill>
+                  <a:srgbClr val="000000"/>
+                </a:solidFill>
+                <a:latin typeface="Calibri"/>
+                <a:ea typeface="DejaVu Sans"/>
+              </a:rPr>
+              <a:t>precaução.</a:t>
             </a:r>
             <a:endParaRPr b="0" lang="pt-BR" sz="3200" spc="-1" strike="noStrike">
               <a:latin typeface="Arial"/>
@@ -4430,6 +5435,52 @@
           </a:p>
         </p:txBody>
       </p:sp>
+      <p:pic>
+        <p:nvPicPr>
+          <p:cNvPr id="68" name="" descr=""/>
+          <p:cNvPicPr/>
+          <p:nvPr/>
+        </p:nvPicPr>
+        <p:blipFill>
+          <a:blip r:embed="rId1"/>
+          <a:stretch/>
+        </p:blipFill>
+        <p:spPr>
+          <a:xfrm>
+            <a:off x="5940000" y="526680"/>
+            <a:ext cx="5760000" cy="2615040"/>
+          </a:xfrm>
+          <a:prstGeom prst="rect">
+            <a:avLst/>
+          </a:prstGeom>
+          <a:ln w="0">
+            <a:noFill/>
+          </a:ln>
+        </p:spPr>
+      </p:pic>
+      <p:pic>
+        <p:nvPicPr>
+          <p:cNvPr id="69" name="" descr=""/>
+          <p:cNvPicPr/>
+          <p:nvPr/>
+        </p:nvPicPr>
+        <p:blipFill>
+          <a:blip r:embed="rId2"/>
+          <a:stretch/>
+        </p:blipFill>
+        <p:spPr>
+          <a:xfrm>
+            <a:off x="3780000" y="3230280"/>
+            <a:ext cx="7920000" cy="3249720"/>
+          </a:xfrm>
+          <a:prstGeom prst="rect">
+            <a:avLst/>
+          </a:prstGeom>
+          <a:ln w="0">
+            <a:noFill/>
+          </a:ln>
+        </p:spPr>
+      </p:pic>
     </p:spTree>
   </p:cSld>
   <mc:AlternateContent>
@@ -4460,67 +5511,39 @@
           <a:chExt cx="0" cy="0"/>
         </a:xfrm>
       </p:grpSpPr>
+      <p:pic>
+        <p:nvPicPr>
+          <p:cNvPr id="70" name="" descr=""/>
+          <p:cNvPicPr/>
+          <p:nvPr/>
+        </p:nvPicPr>
+        <p:blipFill>
+          <a:blip r:embed="rId1"/>
+          <a:stretch/>
+        </p:blipFill>
+        <p:spPr>
+          <a:xfrm>
+            <a:off x="360000" y="810000"/>
+            <a:ext cx="11500920" cy="5750280"/>
+          </a:xfrm>
+          <a:prstGeom prst="rect">
+            <a:avLst/>
+          </a:prstGeom>
+          <a:ln w="0">
+            <a:noFill/>
+          </a:ln>
+        </p:spPr>
+      </p:pic>
       <p:sp>
         <p:nvSpPr>
-          <p:cNvPr id="67" name="CustomShape 1"/>
+          <p:cNvPr id="71" name="CustomShape 1"/>
           <p:cNvSpPr/>
           <p:nvPr/>
         </p:nvSpPr>
         <p:spPr>
           <a:xfrm>
-            <a:off x="395280" y="374400"/>
-            <a:ext cx="8292240" cy="884520"/>
-          </a:xfrm>
-          <a:prstGeom prst="rect">
-            <a:avLst/>
-          </a:prstGeom>
-          <a:noFill/>
-          <a:ln w="0">
-            <a:noFill/>
-          </a:ln>
-        </p:spPr>
-        <p:style>
-          <a:lnRef idx="0"/>
-          <a:fillRef idx="0"/>
-          <a:effectRef idx="0"/>
-          <a:fontRef idx="minor"/>
-        </p:style>
-        <p:txBody>
-          <a:bodyPr lIns="90000" rIns="90000" tIns="45000" bIns="45000" anchor="ctr">
-            <a:noAutofit/>
-          </a:bodyPr>
-          <a:p>
-            <a:pPr>
-              <a:lnSpc>
-                <a:spcPct val="90000"/>
-              </a:lnSpc>
-            </a:pPr>
-            <a:r>
-              <a:rPr b="0" lang="pt-BR" sz="4400" spc="-1" strike="noStrike">
-                <a:solidFill>
-                  <a:srgbClr val="000000"/>
-                </a:solidFill>
-                <a:latin typeface="Calibri Light"/>
-                <a:ea typeface="DejaVu Sans"/>
-              </a:rPr>
-              <a:t>Teste:</a:t>
-            </a:r>
-            <a:endParaRPr b="0" lang="pt-BR" sz="4400" spc="-1" strike="noStrike">
-              <a:latin typeface="Arial"/>
-            </a:endParaRPr>
-          </a:p>
-        </p:txBody>
-      </p:sp>
-      <p:sp>
-        <p:nvSpPr>
-          <p:cNvPr id="68" name="CustomShape 2"/>
-          <p:cNvSpPr/>
-          <p:nvPr/>
-        </p:nvSpPr>
-        <p:spPr>
-          <a:xfrm>
-            <a:off x="395280" y="1479960"/>
-            <a:ext cx="11487960" cy="5086800"/>
+            <a:off x="395280" y="360000"/>
+            <a:ext cx="11487600" cy="540000"/>
           </a:xfrm>
           <a:prstGeom prst="rect">
             <a:avLst/>
@@ -4541,28 +5564,38 @@
             <a:normAutofit/>
           </a:bodyPr>
           <a:p>
-            <a:pPr marL="228600" indent="-224640">
-              <a:lnSpc>
-                <a:spcPct val="90000"/>
-              </a:lnSpc>
-              <a:spcBef>
-                <a:spcPts val="1001"/>
-              </a:spcBef>
-              <a:buClr>
-                <a:srgbClr val="000000"/>
-              </a:buClr>
-              <a:buFont typeface="Arial"/>
-              <a:buChar char="•"/>
-            </a:pPr>
-            <a:r>
-              <a:rPr b="0" lang="pt-BR" sz="3200" spc="-1" strike="noStrike">
-                <a:solidFill>
-                  <a:srgbClr val="000000"/>
-                </a:solidFill>
-                <a:latin typeface="Calibri"/>
-                <a:ea typeface="DejaVu Sans"/>
-              </a:rPr>
-              <a:t>Texto</a:t>
+            <a:pPr marL="228600" indent="-224280">
+              <a:lnSpc>
+                <a:spcPct val="90000"/>
+              </a:lnSpc>
+              <a:spcBef>
+                <a:spcPts val="1001"/>
+              </a:spcBef>
+              <a:buClr>
+                <a:srgbClr val="000000"/>
+              </a:buClr>
+              <a:buFont typeface="Arial"/>
+              <a:buChar char="•"/>
+            </a:pPr>
+            <a:r>
+              <a:rPr b="0" lang="pt-BR" sz="3200" spc="-1" strike="noStrike">
+                <a:solidFill>
+                  <a:srgbClr val="000000"/>
+                </a:solidFill>
+                <a:latin typeface="Calibri"/>
+                <a:ea typeface="DejaVu Sans"/>
+              </a:rPr>
+              <a:t>Vamos dividir os parâmetros da senha, já </a:t>
+            </a:r>
+            <a:r>
+              <a:rPr b="0" lang="pt-BR" sz="3200" spc="-1" strike="noStrike">
+                <a:solidFill>
+                  <a:srgbClr val="000000"/>
+                </a:solidFill>
+                <a:latin typeface="Calibri"/>
+                <a:ea typeface="DejaVu Sans"/>
+              </a:rPr>
+              <a:t>deixando organizado:</a:t>
             </a:r>
             <a:endParaRPr b="0" lang="pt-BR" sz="3200" spc="-1" strike="noStrike">
               <a:latin typeface="Arial"/>
@@ -4615,14 +5648,14 @@
       </p:grpSpPr>
       <p:sp>
         <p:nvSpPr>
-          <p:cNvPr id="69" name="CustomShape 1"/>
+          <p:cNvPr id="72" name="CustomShape 1"/>
           <p:cNvSpPr/>
           <p:nvPr/>
         </p:nvSpPr>
         <p:spPr>
           <a:xfrm>
-            <a:off x="395280" y="374400"/>
-            <a:ext cx="8292240" cy="884520"/>
+            <a:off x="395280" y="720000"/>
+            <a:ext cx="3024720" cy="884160"/>
           </a:xfrm>
           <a:prstGeom prst="rect">
             <a:avLst/>
@@ -4656,7 +5689,7 @@
                 <a:latin typeface="Calibri Light"/>
                 <a:ea typeface="DejaVu Sans"/>
               </a:rPr>
-              <a:t>Teste:</a:t>
+              <a:t>Ajeitando:</a:t>
             </a:r>
             <a:endParaRPr b="0" lang="pt-BR" sz="4400" spc="-1" strike="noStrike">
               <a:latin typeface="Arial"/>
@@ -4666,14 +5699,14 @@
       </p:sp>
       <p:sp>
         <p:nvSpPr>
-          <p:cNvPr id="70" name="CustomShape 2"/>
+          <p:cNvPr id="73" name="CustomShape 2"/>
           <p:cNvSpPr/>
           <p:nvPr/>
         </p:nvSpPr>
         <p:spPr>
           <a:xfrm>
-            <a:off x="395280" y="1479960"/>
-            <a:ext cx="11487960" cy="5086800"/>
+            <a:off x="395280" y="1980000"/>
+            <a:ext cx="11487600" cy="4586400"/>
           </a:xfrm>
           <a:prstGeom prst="rect">
             <a:avLst/>
@@ -4694,28 +5727,216 @@
             <a:normAutofit/>
           </a:bodyPr>
           <a:p>
-            <a:pPr marL="228600" indent="-224640">
-              <a:lnSpc>
-                <a:spcPct val="90000"/>
-              </a:lnSpc>
-              <a:spcBef>
-                <a:spcPts val="1001"/>
-              </a:spcBef>
-              <a:buClr>
-                <a:srgbClr val="000000"/>
-              </a:buClr>
-              <a:buFont typeface="Arial"/>
-              <a:buChar char="•"/>
-            </a:pPr>
-            <a:r>
-              <a:rPr b="0" lang="pt-BR" sz="3200" spc="-1" strike="noStrike">
-                <a:solidFill>
-                  <a:srgbClr val="000000"/>
-                </a:solidFill>
-                <a:latin typeface="Calibri"/>
-                <a:ea typeface="DejaVu Sans"/>
-              </a:rPr>
-              <a:t>Texto</a:t>
+            <a:pPr marL="228600" indent="-224280">
+              <a:lnSpc>
+                <a:spcPct val="90000"/>
+              </a:lnSpc>
+              <a:spcBef>
+                <a:spcPts val="1001"/>
+              </a:spcBef>
+              <a:buClr>
+                <a:srgbClr val="000000"/>
+              </a:buClr>
+              <a:buFont typeface="Arial"/>
+              <a:buChar char="•"/>
+            </a:pPr>
+            <a:r>
+              <a:rPr b="0" lang="pt-BR" sz="3200" spc="-1" strike="noStrike">
+                <a:solidFill>
+                  <a:srgbClr val="000000"/>
+                </a:solidFill>
+                <a:latin typeface="Calibri"/>
+                <a:ea typeface="DejaVu Sans"/>
+              </a:rPr>
+              <a:t>Vamos usar o :focus.</a:t>
+            </a:r>
+            <a:endParaRPr b="0" lang="pt-BR" sz="3200" spc="-1" strike="noStrike">
+              <a:latin typeface="Arial"/>
+            </a:endParaRPr>
+          </a:p>
+          <a:p>
+            <a:pPr marL="228600" indent="-224280">
+              <a:lnSpc>
+                <a:spcPct val="90000"/>
+              </a:lnSpc>
+              <a:spcBef>
+                <a:spcPts val="1001"/>
+              </a:spcBef>
+              <a:buClr>
+                <a:srgbClr val="000000"/>
+              </a:buClr>
+              <a:buFont typeface="Arial"/>
+              <a:buChar char="•"/>
+            </a:pPr>
+            <a:r>
+              <a:rPr b="0" lang="pt-BR" sz="3200" spc="-1" strike="noStrike">
+                <a:solidFill>
+                  <a:srgbClr val="000000"/>
+                </a:solidFill>
+                <a:latin typeface="Calibri"/>
+                <a:ea typeface="DejaVu Sans"/>
+              </a:rPr>
+              <a:t> </a:t>
+            </a:r>
+            <a:endParaRPr b="0" lang="pt-BR" sz="3200" spc="-1" strike="noStrike">
+              <a:latin typeface="Arial"/>
+            </a:endParaRPr>
+          </a:p>
+          <a:p>
+            <a:pPr marL="228600" indent="-224280">
+              <a:lnSpc>
+                <a:spcPct val="90000"/>
+              </a:lnSpc>
+              <a:spcBef>
+                <a:spcPts val="1001"/>
+              </a:spcBef>
+              <a:buClr>
+                <a:srgbClr val="000000"/>
+              </a:buClr>
+              <a:buFont typeface="Arial"/>
+              <a:buChar char="•"/>
+            </a:pPr>
+            <a:r>
+              <a:rPr b="0" lang="pt-BR" sz="3200" spc="-1" strike="noStrike">
+                <a:solidFill>
+                  <a:srgbClr val="000000"/>
+                </a:solidFill>
+                <a:latin typeface="Calibri"/>
+                <a:ea typeface="DejaVu Sans"/>
+              </a:rPr>
+              <a:t>Colocar uma largura máxima para nossa </a:t>
+            </a:r>
+            <a:r>
+              <a:rPr b="0" lang="pt-BR" sz="3200" spc="-1" strike="noStrike">
+                <a:solidFill>
+                  <a:srgbClr val="000000"/>
+                </a:solidFill>
+                <a:latin typeface="Calibri"/>
+                <a:ea typeface="DejaVu Sans"/>
+              </a:rPr>
+              <a:t>página.</a:t>
+            </a:r>
+            <a:endParaRPr b="0" lang="pt-BR" sz="3200" spc="-1" strike="noStrike">
+              <a:latin typeface="Arial"/>
+            </a:endParaRPr>
+          </a:p>
+          <a:p>
+            <a:pPr marL="228600" indent="-224280">
+              <a:lnSpc>
+                <a:spcPct val="90000"/>
+              </a:lnSpc>
+              <a:spcBef>
+                <a:spcPts val="1001"/>
+              </a:spcBef>
+              <a:buClr>
+                <a:srgbClr val="000000"/>
+              </a:buClr>
+              <a:buFont typeface="Arial"/>
+              <a:buChar char="•"/>
+            </a:pPr>
+            <a:r>
+              <a:rPr b="0" lang="pt-BR" sz="3200" spc="-1" strike="noStrike">
+                <a:solidFill>
+                  <a:srgbClr val="000000"/>
+                </a:solidFill>
+                <a:latin typeface="Calibri"/>
+                <a:ea typeface="DejaVu Sans"/>
+              </a:rPr>
+              <a:t> </a:t>
+            </a:r>
+            <a:endParaRPr b="0" lang="pt-BR" sz="3200" spc="-1" strike="noStrike">
+              <a:latin typeface="Arial"/>
+            </a:endParaRPr>
+          </a:p>
+          <a:p>
+            <a:pPr marL="228600" indent="-224280">
+              <a:lnSpc>
+                <a:spcPct val="90000"/>
+              </a:lnSpc>
+              <a:spcBef>
+                <a:spcPts val="1001"/>
+              </a:spcBef>
+              <a:buClr>
+                <a:srgbClr val="000000"/>
+              </a:buClr>
+              <a:buFont typeface="Arial"/>
+              <a:buChar char="•"/>
+            </a:pPr>
+            <a:r>
+              <a:rPr b="0" lang="pt-BR" sz="3200" spc="-1" strike="noStrike">
+                <a:solidFill>
+                  <a:srgbClr val="000000"/>
+                </a:solidFill>
+                <a:latin typeface="Calibri"/>
+                <a:ea typeface="DejaVu Sans"/>
+              </a:rPr>
+              <a:t>E ajeitar o lugar onde</a:t>
+            </a:r>
+            <a:endParaRPr b="0" lang="pt-BR" sz="3200" spc="-1" strike="noStrike">
+              <a:latin typeface="Arial"/>
+            </a:endParaRPr>
+          </a:p>
+          <a:p>
+            <a:pPr marL="228600" indent="-224280">
+              <a:lnSpc>
+                <a:spcPct val="90000"/>
+              </a:lnSpc>
+              <a:spcBef>
+                <a:spcPts val="1001"/>
+              </a:spcBef>
+              <a:buClr>
+                <a:srgbClr val="000000"/>
+              </a:buClr>
+              <a:buFont typeface="Arial"/>
+              <a:buChar char="•"/>
+            </a:pPr>
+            <a:r>
+              <a:rPr b="0" lang="pt-BR" sz="3200" spc="-1" strike="noStrike">
+                <a:solidFill>
+                  <a:srgbClr val="000000"/>
+                </a:solidFill>
+                <a:latin typeface="Calibri"/>
+                <a:ea typeface="DejaVu Sans"/>
+              </a:rPr>
+              <a:t> </a:t>
+            </a:r>
+            <a:r>
+              <a:rPr b="0" lang="pt-BR" sz="3200" spc="-1" strike="noStrike">
+                <a:solidFill>
+                  <a:srgbClr val="000000"/>
+                </a:solidFill>
+                <a:latin typeface="Calibri"/>
+                <a:ea typeface="DejaVu Sans"/>
+              </a:rPr>
+              <a:t>ficarão os parâmetros </a:t>
+            </a:r>
+            <a:endParaRPr b="0" lang="pt-BR" sz="3200" spc="-1" strike="noStrike">
+              <a:latin typeface="Arial"/>
+            </a:endParaRPr>
+          </a:p>
+          <a:p>
+            <a:pPr marL="228600" indent="-224280">
+              <a:lnSpc>
+                <a:spcPct val="90000"/>
+              </a:lnSpc>
+              <a:spcBef>
+                <a:spcPts val="1001"/>
+              </a:spcBef>
+              <a:buClr>
+                <a:srgbClr val="000000"/>
+              </a:buClr>
+              <a:buFont typeface="Arial"/>
+              <a:buChar char="•"/>
+            </a:pPr>
+            <a:r>
+              <a:rPr b="0" lang="pt-BR" sz="3200" spc="-1" strike="noStrike">
+                <a:solidFill>
+                  <a:srgbClr val="000000"/>
+                </a:solidFill>
+                <a:latin typeface="Calibri"/>
+                <a:ea typeface="DejaVu Sans"/>
+              </a:rPr>
+              <a:t>para gerar nossa senha.</a:t>
             </a:r>
             <a:endParaRPr b="0" lang="pt-BR" sz="3200" spc="-1" strike="noStrike">
               <a:latin typeface="Arial"/>
@@ -4736,6 +5957,75 @@
           </a:p>
         </p:txBody>
       </p:sp>
+      <p:pic>
+        <p:nvPicPr>
+          <p:cNvPr id="74" name="" descr=""/>
+          <p:cNvPicPr/>
+          <p:nvPr/>
+        </p:nvPicPr>
+        <p:blipFill>
+          <a:blip r:embed="rId1"/>
+          <a:stretch/>
+        </p:blipFill>
+        <p:spPr>
+          <a:xfrm>
+            <a:off x="3600000" y="432720"/>
+            <a:ext cx="8280000" cy="1389960"/>
+          </a:xfrm>
+          <a:prstGeom prst="rect">
+            <a:avLst/>
+          </a:prstGeom>
+          <a:ln w="0">
+            <a:noFill/>
+          </a:ln>
+        </p:spPr>
+      </p:pic>
+      <p:pic>
+        <p:nvPicPr>
+          <p:cNvPr id="75" name="" descr=""/>
+          <p:cNvPicPr/>
+          <p:nvPr/>
+        </p:nvPicPr>
+        <p:blipFill>
+          <a:blip r:embed="rId2"/>
+          <a:stretch/>
+        </p:blipFill>
+        <p:spPr>
+          <a:xfrm>
+            <a:off x="8100000" y="1980000"/>
+            <a:ext cx="3782880" cy="1194840"/>
+          </a:xfrm>
+          <a:prstGeom prst="rect">
+            <a:avLst/>
+          </a:prstGeom>
+          <a:ln w="0">
+            <a:noFill/>
+          </a:ln>
+        </p:spPr>
+      </p:pic>
+      <p:pic>
+        <p:nvPicPr>
+          <p:cNvPr id="76" name="" descr=""/>
+          <p:cNvPicPr/>
+          <p:nvPr/>
+        </p:nvPicPr>
+        <p:blipFill>
+          <a:blip r:embed="rId3"/>
+          <a:stretch/>
+        </p:blipFill>
+        <p:spPr>
+          <a:xfrm>
+            <a:off x="5094360" y="3780000"/>
+            <a:ext cx="6768000" cy="2700000"/>
+          </a:xfrm>
+          <a:prstGeom prst="rect">
+            <a:avLst/>
+          </a:prstGeom>
+          <a:ln w="0">
+            <a:noFill/>
+          </a:ln>
+        </p:spPr>
+      </p:pic>
     </p:spTree>
   </p:cSld>
   <mc:AlternateContent>
@@ -4768,14 +6058,14 @@
       </p:grpSpPr>
       <p:sp>
         <p:nvSpPr>
-          <p:cNvPr id="71" name="CustomShape 1"/>
+          <p:cNvPr id="77" name="CustomShape 1"/>
           <p:cNvSpPr/>
           <p:nvPr/>
         </p:nvSpPr>
         <p:spPr>
           <a:xfrm>
             <a:off x="395280" y="374400"/>
-            <a:ext cx="8292240" cy="884520"/>
+            <a:ext cx="8291880" cy="884160"/>
           </a:xfrm>
           <a:prstGeom prst="rect">
             <a:avLst/>
@@ -4809,7 +6099,7 @@
                 <a:latin typeface="Calibri Light"/>
                 <a:ea typeface="DejaVu Sans"/>
               </a:rPr>
-              <a:t>Teste:</a:t>
+              <a:t>Parâmetros:</a:t>
             </a:r>
             <a:endParaRPr b="0" lang="pt-BR" sz="4400" spc="-1" strike="noStrike">
               <a:latin typeface="Arial"/>
@@ -4819,14 +6109,14 @@
       </p:sp>
       <p:sp>
         <p:nvSpPr>
-          <p:cNvPr id="72" name="CustomShape 2"/>
+          <p:cNvPr id="78" name="CustomShape 2"/>
           <p:cNvSpPr/>
           <p:nvPr/>
         </p:nvSpPr>
         <p:spPr>
           <a:xfrm>
             <a:off x="395280" y="1479960"/>
-            <a:ext cx="11487960" cy="5086800"/>
+            <a:ext cx="11487600" cy="5086440"/>
           </a:xfrm>
           <a:prstGeom prst="rect">
             <a:avLst/>
@@ -4847,28 +6137,224 @@
             <a:normAutofit/>
           </a:bodyPr>
           <a:p>
-            <a:pPr marL="228600" indent="-224640">
-              <a:lnSpc>
-                <a:spcPct val="90000"/>
-              </a:lnSpc>
-              <a:spcBef>
-                <a:spcPts val="1001"/>
-              </a:spcBef>
-              <a:buClr>
-                <a:srgbClr val="000000"/>
-              </a:buClr>
-              <a:buFont typeface="Arial"/>
-              <a:buChar char="•"/>
-            </a:pPr>
-            <a:r>
-              <a:rPr b="0" lang="pt-BR" sz="3200" spc="-1" strike="noStrike">
-                <a:solidFill>
-                  <a:srgbClr val="000000"/>
-                </a:solidFill>
-                <a:latin typeface="Calibri"/>
-                <a:ea typeface="DejaVu Sans"/>
-              </a:rPr>
-              <a:t>Texto</a:t>
+            <a:pPr marL="228600" indent="-224280">
+              <a:lnSpc>
+                <a:spcPct val="90000"/>
+              </a:lnSpc>
+              <a:spcBef>
+                <a:spcPts val="1001"/>
+              </a:spcBef>
+              <a:buClr>
+                <a:srgbClr val="000000"/>
+              </a:buClr>
+              <a:buFont typeface="Arial"/>
+              <a:buChar char="•"/>
+            </a:pPr>
+            <a:r>
+              <a:rPr b="0" lang="pt-BR" sz="3200" spc="-1" strike="noStrike">
+                <a:solidFill>
+                  <a:srgbClr val="000000"/>
+                </a:solidFill>
+                <a:latin typeface="Calibri"/>
+                <a:ea typeface="DejaVu Sans"/>
+              </a:rPr>
+              <a:t>Tudo aqui pode ser </a:t>
+            </a:r>
+            <a:endParaRPr b="0" lang="pt-BR" sz="3200" spc="-1" strike="noStrike">
+              <a:latin typeface="Arial"/>
+            </a:endParaRPr>
+          </a:p>
+          <a:p>
+            <a:pPr marL="228600" indent="-224280">
+              <a:lnSpc>
+                <a:spcPct val="90000"/>
+              </a:lnSpc>
+              <a:spcBef>
+                <a:spcPts val="1001"/>
+              </a:spcBef>
+              <a:buClr>
+                <a:srgbClr val="000000"/>
+              </a:buClr>
+              <a:buFont typeface="Arial"/>
+              <a:buChar char="•"/>
+            </a:pPr>
+            <a:r>
+              <a:rPr b="0" lang="pt-BR" sz="3200" spc="-1" strike="noStrike">
+                <a:solidFill>
+                  <a:srgbClr val="000000"/>
+                </a:solidFill>
+                <a:latin typeface="Calibri"/>
+                <a:ea typeface="DejaVu Sans"/>
+              </a:rPr>
+              <a:t>modificado.</a:t>
+            </a:r>
+            <a:endParaRPr b="0" lang="pt-BR" sz="3200" spc="-1" strike="noStrike">
+              <a:latin typeface="Arial"/>
+            </a:endParaRPr>
+          </a:p>
+          <a:p>
+            <a:pPr marL="228600" indent="-224280">
+              <a:lnSpc>
+                <a:spcPct val="90000"/>
+              </a:lnSpc>
+              <a:spcBef>
+                <a:spcPts val="1001"/>
+              </a:spcBef>
+              <a:buClr>
+                <a:srgbClr val="000000"/>
+              </a:buClr>
+              <a:buFont typeface="Arial"/>
+              <a:buChar char="•"/>
+            </a:pPr>
+            <a:r>
+              <a:rPr b="0" lang="pt-BR" sz="3200" spc="-1" strike="noStrike">
+                <a:solidFill>
+                  <a:srgbClr val="000000"/>
+                </a:solidFill>
+                <a:latin typeface="Calibri"/>
+                <a:ea typeface="DejaVu Sans"/>
+              </a:rPr>
+              <a:t> </a:t>
+            </a:r>
+            <a:endParaRPr b="0" lang="pt-BR" sz="3200" spc="-1" strike="noStrike">
+              <a:latin typeface="Arial"/>
+            </a:endParaRPr>
+          </a:p>
+          <a:p>
+            <a:pPr marL="228600" indent="-224280">
+              <a:lnSpc>
+                <a:spcPct val="90000"/>
+              </a:lnSpc>
+              <a:spcBef>
+                <a:spcPts val="1001"/>
+              </a:spcBef>
+              <a:buClr>
+                <a:srgbClr val="000000"/>
+              </a:buClr>
+              <a:buFont typeface="Arial"/>
+              <a:buChar char="•"/>
+            </a:pPr>
+            <a:r>
+              <a:rPr b="0" lang="pt-BR" sz="3200" spc="-1" strike="noStrike">
+                <a:solidFill>
+                  <a:srgbClr val="000000"/>
+                </a:solidFill>
+                <a:latin typeface="Calibri"/>
+                <a:ea typeface="DejaVu Sans"/>
+              </a:rPr>
+              <a:t> </a:t>
+            </a:r>
+            <a:endParaRPr b="0" lang="pt-BR" sz="3200" spc="-1" strike="noStrike">
+              <a:latin typeface="Arial"/>
+            </a:endParaRPr>
+          </a:p>
+          <a:p>
+            <a:pPr marL="228600" indent="-224280">
+              <a:lnSpc>
+                <a:spcPct val="90000"/>
+              </a:lnSpc>
+              <a:spcBef>
+                <a:spcPts val="1001"/>
+              </a:spcBef>
+              <a:buClr>
+                <a:srgbClr val="000000"/>
+              </a:buClr>
+              <a:buFont typeface="Arial"/>
+              <a:buChar char="•"/>
+            </a:pPr>
+            <a:r>
+              <a:rPr b="0" lang="pt-BR" sz="3200" spc="-1" strike="noStrike">
+                <a:solidFill>
+                  <a:srgbClr val="000000"/>
+                </a:solidFill>
+                <a:latin typeface="Calibri"/>
+                <a:ea typeface="DejaVu Sans"/>
+              </a:rPr>
+              <a:t> </a:t>
+            </a:r>
+            <a:endParaRPr b="0" lang="pt-BR" sz="3200" spc="-1" strike="noStrike">
+              <a:latin typeface="Arial"/>
+            </a:endParaRPr>
+          </a:p>
+          <a:p>
+            <a:pPr marL="228600" indent="-224280">
+              <a:lnSpc>
+                <a:spcPct val="90000"/>
+              </a:lnSpc>
+              <a:spcBef>
+                <a:spcPts val="1001"/>
+              </a:spcBef>
+              <a:buClr>
+                <a:srgbClr val="000000"/>
+              </a:buClr>
+              <a:buFont typeface="Arial"/>
+              <a:buChar char="•"/>
+            </a:pPr>
+            <a:r>
+              <a:rPr b="0" lang="pt-BR" sz="3200" spc="-1" strike="noStrike">
+                <a:solidFill>
+                  <a:srgbClr val="000000"/>
+                </a:solidFill>
+                <a:latin typeface="Calibri"/>
+                <a:ea typeface="DejaVu Sans"/>
+              </a:rPr>
+              <a:t>No celular, por exemplo, </a:t>
+            </a:r>
+            <a:endParaRPr b="0" lang="pt-BR" sz="3200" spc="-1" strike="noStrike">
+              <a:latin typeface="Arial"/>
+            </a:endParaRPr>
+          </a:p>
+          <a:p>
+            <a:pPr marL="228600" indent="-224280">
+              <a:lnSpc>
+                <a:spcPct val="90000"/>
+              </a:lnSpc>
+              <a:spcBef>
+                <a:spcPts val="1001"/>
+              </a:spcBef>
+              <a:buClr>
+                <a:srgbClr val="000000"/>
+              </a:buClr>
+              <a:buFont typeface="Arial"/>
+              <a:buChar char="•"/>
+            </a:pPr>
+            <a:r>
+              <a:rPr b="0" lang="pt-BR" sz="3200" spc="-1" strike="noStrike">
+                <a:solidFill>
+                  <a:srgbClr val="000000"/>
+                </a:solidFill>
+                <a:latin typeface="Calibri"/>
+                <a:ea typeface="DejaVu Sans"/>
+              </a:rPr>
+              <a:t>seria melhor usar o </a:t>
+            </a:r>
+            <a:endParaRPr b="0" lang="pt-BR" sz="3200" spc="-1" strike="noStrike">
+              <a:latin typeface="Arial"/>
+            </a:endParaRPr>
+          </a:p>
+          <a:p>
+            <a:pPr marL="228600" indent="-224280">
+              <a:lnSpc>
+                <a:spcPct val="90000"/>
+              </a:lnSpc>
+              <a:spcBef>
+                <a:spcPts val="1001"/>
+              </a:spcBef>
+              <a:buClr>
+                <a:srgbClr val="000000"/>
+              </a:buClr>
+              <a:buFont typeface="Arial"/>
+              <a:buChar char="•"/>
+            </a:pPr>
+            <a:r>
+              <a:rPr b="0" lang="pt-BR" sz="3200" spc="-1" strike="noStrike">
+                <a:solidFill>
+                  <a:srgbClr val="000000"/>
+                </a:solidFill>
+                <a:latin typeface="Calibri"/>
+                <a:ea typeface="DejaVu Sans"/>
+              </a:rPr>
+              <a:t>flex-direction: column;</a:t>
             </a:r>
             <a:endParaRPr b="0" lang="pt-BR" sz="3200" spc="-1" strike="noStrike">
               <a:latin typeface="Arial"/>
@@ -4889,6 +6375,29 @@
           </a:p>
         </p:txBody>
       </p:sp>
+      <p:pic>
+        <p:nvPicPr>
+          <p:cNvPr id="79" name="" descr=""/>
+          <p:cNvPicPr/>
+          <p:nvPr/>
+        </p:nvPicPr>
+        <p:blipFill>
+          <a:blip r:embed="rId1"/>
+          <a:stretch/>
+        </p:blipFill>
+        <p:spPr>
+          <a:xfrm>
+            <a:off x="5040000" y="360000"/>
+            <a:ext cx="6735600" cy="6154200"/>
+          </a:xfrm>
+          <a:prstGeom prst="rect">
+            <a:avLst/>
+          </a:prstGeom>
+          <a:ln w="0">
+            <a:noFill/>
+          </a:ln>
+        </p:spPr>
+      </p:pic>
     </p:spTree>
   </p:cSld>
   <mc:AlternateContent>
